--- a/Labs/Final Presentation Poster.pptx
+++ b/Labs/Final Presentation Poster.pptx
@@ -4496,7 +4496,7 @@
       </p:grpSpPr>
       <p:pic>
         <p:nvPicPr>
-          <p:cNvPr id="4" name="Picture 3"/>
+          <p:cNvPr id="8" name="Picture 7"/>
           <p:cNvPicPr>
             <a:picLocks noChangeAspect="1"/>
           </p:cNvPicPr>
@@ -4516,8 +4516,38 @@
         </p:blipFill>
         <p:spPr>
           <a:xfrm>
-            <a:off x="13006808" y="5751512"/>
-            <a:ext cx="13531430" cy="10148573"/>
+            <a:off x="13792200" y="21945600"/>
+            <a:ext cx="12249345" cy="9187008"/>
+          </a:xfrm>
+          <a:prstGeom prst="rect">
+            <a:avLst/>
+          </a:prstGeom>
+        </p:spPr>
+      </p:pic>
+      <p:pic>
+        <p:nvPicPr>
+          <p:cNvPr id="2" name="Picture 1"/>
+          <p:cNvPicPr>
+            <a:picLocks noChangeAspect="1"/>
+          </p:cNvPicPr>
+          <p:nvPr/>
+        </p:nvPicPr>
+        <p:blipFill>
+          <a:blip r:embed="rId3">
+            <a:extLst>
+              <a:ext uri="{28A0092B-C50C-407E-A947-70E740481C1C}">
+                <a14:useLocalDpi xmlns:a14="http://schemas.microsoft.com/office/drawing/2010/main" val="0"/>
+              </a:ext>
+            </a:extLst>
+          </a:blip>
+          <a:stretch>
+            <a:fillRect/>
+          </a:stretch>
+        </p:blipFill>
+        <p:spPr>
+          <a:xfrm>
+            <a:off x="13875997" y="3414713"/>
+            <a:ext cx="12089216" cy="9066912"/>
           </a:xfrm>
           <a:prstGeom prst="rect">
             <a:avLst/>
@@ -4687,7 +4717,7 @@
                 <a:ea typeface="Calibri" panose="020F0502020204030204" pitchFamily="34" charset="0"/>
                 <a:cs typeface="Calibri" panose="020F0502020204030204" pitchFamily="34" charset="0"/>
               </a:rPr>
-              <a:t>Two methods of determining the orbit of Mercury</a:t>
+              <a:t>Three methods of plotting the orbit of Mercury</a:t>
             </a:r>
           </a:p>
         </p:txBody>
@@ -4753,7 +4783,7 @@
         </p:nvSpPr>
         <p:spPr bwMode="auto">
           <a:xfrm>
-            <a:off x="27436417" y="26552108"/>
+            <a:off x="27368500" y="26451325"/>
             <a:ext cx="12372975" cy="1691856"/>
           </a:xfrm>
           <a:prstGeom prst="rect">
@@ -5102,7 +5132,7 @@
         <p:spPr bwMode="auto">
           <a:xfrm>
             <a:off x="209550" y="4572000"/>
-            <a:ext cx="12565063" cy="7103594"/>
+            <a:ext cx="12565063" cy="15772634"/>
           </a:xfrm>
           <a:prstGeom prst="rect">
             <a:avLst/>
@@ -5283,7 +5313,7 @@
                 <a:ea typeface="Calibri" panose="020F0502020204030204" pitchFamily="34" charset="0"/>
                 <a:cs typeface="Calibri" panose="020F0502020204030204" pitchFamily="34" charset="0"/>
               </a:rPr>
-              <a:t>This projects looked at two different sets of differential equations for calculating the orbit of Mercury about the Sun, one  as well as two methods of calculating the obit given these equations.</a:t>
+              <a:t>This project looked at three different methods of calculating the obit of Mercury about the Sun.</a:t>
             </a:r>
           </a:p>
           <a:p>
@@ -5301,7 +5331,183 @@
                 <a:ea typeface="Calibri" panose="020F0502020204030204" pitchFamily="34" charset="0"/>
                 <a:cs typeface="Calibri" panose="020F0502020204030204" pitchFamily="34" charset="0"/>
               </a:rPr>
-              <a:t>This first of these methods uses a set of equations derived from Newtonian physics, while the second uses equations derived from the Schwarzschild metric in general relativity.  The aim is to visualize the different outcomes based on the model being used.</a:t>
+              <a:t>The first method uses the </a:t>
+            </a:r>
+            <a:r>
+              <a:rPr lang="en-US" altLang="en-US" dirty="0" err="1">
+                <a:solidFill>
+                  <a:schemeClr val="tx1"/>
+                </a:solidFill>
+                <a:latin typeface="Calibri" panose="020F0502020204030204" pitchFamily="34" charset="0"/>
+                <a:ea typeface="Calibri" panose="020F0502020204030204" pitchFamily="34" charset="0"/>
+                <a:cs typeface="Calibri" panose="020F0502020204030204" pitchFamily="34" charset="0"/>
+              </a:rPr>
+              <a:t>scipy</a:t>
+            </a:r>
+            <a:r>
+              <a:rPr lang="en-US" altLang="en-US" dirty="0">
+                <a:solidFill>
+                  <a:schemeClr val="tx1"/>
+                </a:solidFill>
+                <a:latin typeface="Calibri" panose="020F0502020204030204" pitchFamily="34" charset="0"/>
+                <a:ea typeface="Calibri" panose="020F0502020204030204" pitchFamily="34" charset="0"/>
+                <a:cs typeface="Calibri" panose="020F0502020204030204" pitchFamily="34" charset="0"/>
+              </a:rPr>
+              <a:t> </a:t>
+            </a:r>
+            <a:r>
+              <a:rPr lang="en-US" altLang="en-US" dirty="0" err="1">
+                <a:solidFill>
+                  <a:schemeClr val="tx1"/>
+                </a:solidFill>
+                <a:latin typeface="Calibri" panose="020F0502020204030204" pitchFamily="34" charset="0"/>
+                <a:ea typeface="Calibri" panose="020F0502020204030204" pitchFamily="34" charset="0"/>
+                <a:cs typeface="Calibri" panose="020F0502020204030204" pitchFamily="34" charset="0"/>
+              </a:rPr>
+              <a:t>odeint</a:t>
+            </a:r>
+            <a:r>
+              <a:rPr lang="en-US" altLang="en-US" dirty="0">
+                <a:solidFill>
+                  <a:schemeClr val="tx1"/>
+                </a:solidFill>
+                <a:latin typeface="Calibri" panose="020F0502020204030204" pitchFamily="34" charset="0"/>
+                <a:ea typeface="Calibri" panose="020F0502020204030204" pitchFamily="34" charset="0"/>
+                <a:cs typeface="Calibri" panose="020F0502020204030204" pitchFamily="34" charset="0"/>
+              </a:rPr>
+              <a:t> function to integrate the equations of motion derived from the Schwarzschild metric.  This involved finding the radial and angular position and velocities, finding the derivatives of these and feeding those derivatives into </a:t>
+            </a:r>
+            <a:r>
+              <a:rPr lang="en-US" altLang="en-US" dirty="0" err="1">
+                <a:solidFill>
+                  <a:schemeClr val="tx1"/>
+                </a:solidFill>
+                <a:latin typeface="Calibri" panose="020F0502020204030204" pitchFamily="34" charset="0"/>
+                <a:ea typeface="Calibri" panose="020F0502020204030204" pitchFamily="34" charset="0"/>
+                <a:cs typeface="Calibri" panose="020F0502020204030204" pitchFamily="34" charset="0"/>
+              </a:rPr>
+              <a:t>numpy.integrate.odeint</a:t>
+            </a:r>
+            <a:r>
+              <a:rPr lang="en-US" altLang="en-US" dirty="0">
+                <a:solidFill>
+                  <a:schemeClr val="tx1"/>
+                </a:solidFill>
+                <a:latin typeface="Calibri" panose="020F0502020204030204" pitchFamily="34" charset="0"/>
+                <a:ea typeface="Calibri" panose="020F0502020204030204" pitchFamily="34" charset="0"/>
+                <a:cs typeface="Calibri" panose="020F0502020204030204" pitchFamily="34" charset="0"/>
+              </a:rPr>
+              <a:t>.</a:t>
+            </a:r>
+          </a:p>
+          <a:p>
+            <a:pPr algn="just">
+              <a:spcBef>
+                <a:spcPts val="2538"/>
+              </a:spcBef>
+            </a:pPr>
+            <a:endParaRPr lang="en-US" altLang="en-US" dirty="0">
+              <a:solidFill>
+                <a:schemeClr val="tx1"/>
+              </a:solidFill>
+              <a:latin typeface="Calibri" panose="020F0502020204030204" pitchFamily="34" charset="0"/>
+              <a:ea typeface="Calibri" panose="020F0502020204030204" pitchFamily="34" charset="0"/>
+              <a:cs typeface="Calibri" panose="020F0502020204030204" pitchFamily="34" charset="0"/>
+            </a:endParaRPr>
+          </a:p>
+          <a:p>
+            <a:pPr algn="just">
+              <a:spcBef>
+                <a:spcPts val="2538"/>
+              </a:spcBef>
+            </a:pPr>
+            <a:r>
+              <a:rPr lang="en-US" altLang="en-US" dirty="0">
+                <a:solidFill>
+                  <a:schemeClr val="tx1"/>
+                </a:solidFill>
+                <a:latin typeface="Calibri" panose="020F0502020204030204" pitchFamily="34" charset="0"/>
+                <a:ea typeface="Calibri" panose="020F0502020204030204" pitchFamily="34" charset="0"/>
+                <a:cs typeface="Calibri" panose="020F0502020204030204" pitchFamily="34" charset="0"/>
+              </a:rPr>
+              <a:t>The second method uses the </a:t>
+            </a:r>
+            <a:r>
+              <a:rPr lang="en-US" altLang="en-US" dirty="0" err="1">
+                <a:solidFill>
+                  <a:schemeClr val="tx1"/>
+                </a:solidFill>
+                <a:latin typeface="Calibri" panose="020F0502020204030204" pitchFamily="34" charset="0"/>
+                <a:ea typeface="Calibri" panose="020F0502020204030204" pitchFamily="34" charset="0"/>
+                <a:cs typeface="Calibri" panose="020F0502020204030204" pitchFamily="34" charset="0"/>
+              </a:rPr>
+              <a:t>Verlet</a:t>
+            </a:r>
+            <a:r>
+              <a:rPr lang="en-US" altLang="en-US" dirty="0">
+                <a:solidFill>
+                  <a:schemeClr val="tx1"/>
+                </a:solidFill>
+                <a:latin typeface="Calibri" panose="020F0502020204030204" pitchFamily="34" charset="0"/>
+                <a:ea typeface="Calibri" panose="020F0502020204030204" pitchFamily="34" charset="0"/>
+                <a:cs typeface="Calibri" panose="020F0502020204030204" pitchFamily="34" charset="0"/>
+              </a:rPr>
+              <a:t> method to propagate the solution forward in time.  The first step is determined through a simple approximation and subsequent steps are then generated from the </a:t>
+            </a:r>
+            <a:r>
+              <a:rPr lang="en-US" altLang="en-US" dirty="0" err="1">
+                <a:solidFill>
+                  <a:schemeClr val="tx1"/>
+                </a:solidFill>
+                <a:latin typeface="Calibri" panose="020F0502020204030204" pitchFamily="34" charset="0"/>
+                <a:ea typeface="Calibri" panose="020F0502020204030204" pitchFamily="34" charset="0"/>
+                <a:cs typeface="Calibri" panose="020F0502020204030204" pitchFamily="34" charset="0"/>
+              </a:rPr>
+              <a:t>Verlet</a:t>
+            </a:r>
+            <a:r>
+              <a:rPr lang="en-US" altLang="en-US" dirty="0">
+                <a:solidFill>
+                  <a:schemeClr val="tx1"/>
+                </a:solidFill>
+                <a:latin typeface="Calibri" panose="020F0502020204030204" pitchFamily="34" charset="0"/>
+                <a:ea typeface="Calibri" panose="020F0502020204030204" pitchFamily="34" charset="0"/>
+                <a:cs typeface="Calibri" panose="020F0502020204030204" pitchFamily="34" charset="0"/>
+              </a:rPr>
+              <a:t> equations (Moore, 2012).</a:t>
+            </a:r>
+          </a:p>
+          <a:p>
+            <a:pPr algn="just">
+              <a:spcBef>
+                <a:spcPts val="2538"/>
+              </a:spcBef>
+            </a:pPr>
+            <a:endParaRPr lang="en-US" altLang="en-US" dirty="0">
+              <a:solidFill>
+                <a:schemeClr val="tx1"/>
+              </a:solidFill>
+              <a:latin typeface="Calibri" panose="020F0502020204030204" pitchFamily="34" charset="0"/>
+              <a:ea typeface="Calibri" panose="020F0502020204030204" pitchFamily="34" charset="0"/>
+              <a:cs typeface="Calibri" panose="020F0502020204030204" pitchFamily="34" charset="0"/>
+            </a:endParaRPr>
+          </a:p>
+          <a:p>
+            <a:pPr algn="just">
+              <a:spcBef>
+                <a:spcPts val="2538"/>
+              </a:spcBef>
+            </a:pPr>
+            <a:r>
+              <a:rPr lang="en-US" altLang="en-US" dirty="0">
+                <a:solidFill>
+                  <a:schemeClr val="tx1"/>
+                </a:solidFill>
+                <a:latin typeface="Calibri" panose="020F0502020204030204" pitchFamily="34" charset="0"/>
+                <a:ea typeface="Calibri" panose="020F0502020204030204" pitchFamily="34" charset="0"/>
+                <a:cs typeface="Calibri" panose="020F0502020204030204" pitchFamily="34" charset="0"/>
+              </a:rPr>
+              <a:t>The third method skips solving an ODE and instead models the motion of the planet as a circular orbit that is shifted by a perturbation function that depends on the angle phi.  This method requires some knowledge of the planet’s orbit before hand, but is the simplest of all the methods (Moore, 2012.</a:t>
             </a:r>
           </a:p>
         </p:txBody>
@@ -5467,1521 +5673,11 @@
           </a:p>
         </p:txBody>
       </p:sp>
-      <p:sp>
-        <p:nvSpPr>
-          <p:cNvPr id="2056" name="Text Box 7"/>
-          <p:cNvSpPr txBox="1">
-            <a:spLocks noChangeArrowheads="1"/>
-          </p:cNvSpPr>
-          <p:nvPr/>
-        </p:nvSpPr>
-        <p:spPr bwMode="auto">
-          <a:xfrm>
-            <a:off x="13270258" y="4527550"/>
-            <a:ext cx="12601575" cy="1858569"/>
-          </a:xfrm>
-          <a:prstGeom prst="rect">
-            <a:avLst/>
-          </a:prstGeom>
-          <a:noFill/>
-          <a:ln>
-            <a:noFill/>
-          </a:ln>
-          <a:effectLst/>
-          <a:extLst>
-            <a:ext uri="{909E8E84-426E-40DD-AFC4-6F175D3DCCD1}">
-              <a14:hiddenFill xmlns:a14="http://schemas.microsoft.com/office/drawing/2010/main">
-                <a:solidFill>
-                  <a:schemeClr val="accent1"/>
-                </a:solidFill>
-              </a14:hiddenFill>
-            </a:ext>
-            <a:ext uri="{91240B29-F687-4F45-9708-019B960494DF}">
-              <a14:hiddenLine xmlns:a14="http://schemas.microsoft.com/office/drawing/2010/main" w="9525">
-                <a:solidFill>
-                  <a:schemeClr val="tx1"/>
-                </a:solidFill>
-                <a:miter lim="800000"/>
-                <a:headEnd/>
-                <a:tailEnd/>
-              </a14:hiddenLine>
-            </a:ext>
-            <a:ext uri="{AF507438-7753-43E0-B8FC-AC1667EBCBE1}">
-              <a14:hiddenEffects xmlns:a14="http://schemas.microsoft.com/office/drawing/2010/main">
-                <a:effectLst>
-                  <a:outerShdw dist="35921" dir="2700000" algn="ctr" rotWithShape="0">
-                    <a:schemeClr val="bg2"/>
-                  </a:outerShdw>
-                </a:effectLst>
-              </a14:hiddenEffects>
-            </a:ext>
-          </a:extLst>
-        </p:spPr>
-        <p:txBody>
-          <a:bodyPr lIns="457200" tIns="45267" rIns="457200" bIns="45267">
-            <a:spAutoFit/>
-          </a:bodyPr>
-          <a:lstStyle>
-            <a:lvl1pPr defTabSz="908050">
-              <a:defRPr sz="4000" b="1">
-                <a:solidFill>
-                  <a:srgbClr val="003399"/>
-                </a:solidFill>
-                <a:latin typeface="Arial" panose="020B0604020202020204" pitchFamily="34" charset="0"/>
-              </a:defRPr>
-            </a:lvl1pPr>
-            <a:lvl2pPr marL="742950" indent="-285750" defTabSz="908050">
-              <a:defRPr sz="4000" b="1">
-                <a:solidFill>
-                  <a:srgbClr val="003399"/>
-                </a:solidFill>
-                <a:latin typeface="Arial" panose="020B0604020202020204" pitchFamily="34" charset="0"/>
-              </a:defRPr>
-            </a:lvl2pPr>
-            <a:lvl3pPr marL="1143000" indent="-228600" defTabSz="908050">
-              <a:defRPr sz="4000" b="1">
-                <a:solidFill>
-                  <a:srgbClr val="003399"/>
-                </a:solidFill>
-                <a:latin typeface="Arial" panose="020B0604020202020204" pitchFamily="34" charset="0"/>
-              </a:defRPr>
-            </a:lvl3pPr>
-            <a:lvl4pPr marL="1600200" indent="-228600" defTabSz="908050">
-              <a:defRPr sz="4000" b="1">
-                <a:solidFill>
-                  <a:srgbClr val="003399"/>
-                </a:solidFill>
-                <a:latin typeface="Arial" panose="020B0604020202020204" pitchFamily="34" charset="0"/>
-              </a:defRPr>
-            </a:lvl4pPr>
-            <a:lvl5pPr marL="2057400" indent="-228600" defTabSz="908050">
-              <a:defRPr sz="4000" b="1">
-                <a:solidFill>
-                  <a:srgbClr val="003399"/>
-                </a:solidFill>
-                <a:latin typeface="Arial" panose="020B0604020202020204" pitchFamily="34" charset="0"/>
-              </a:defRPr>
-            </a:lvl5pPr>
-            <a:lvl6pPr marL="2514600" indent="-228600" defTabSz="908050" eaLnBrk="0" fontAlgn="base" hangingPunct="0">
-              <a:spcBef>
-                <a:spcPct val="0"/>
-              </a:spcBef>
-              <a:spcAft>
-                <a:spcPct val="0"/>
-              </a:spcAft>
-              <a:defRPr sz="4000" b="1">
-                <a:solidFill>
-                  <a:srgbClr val="003399"/>
-                </a:solidFill>
-                <a:latin typeface="Arial" panose="020B0604020202020204" pitchFamily="34" charset="0"/>
-              </a:defRPr>
-            </a:lvl6pPr>
-            <a:lvl7pPr marL="2971800" indent="-228600" defTabSz="908050" eaLnBrk="0" fontAlgn="base" hangingPunct="0">
-              <a:spcBef>
-                <a:spcPct val="0"/>
-              </a:spcBef>
-              <a:spcAft>
-                <a:spcPct val="0"/>
-              </a:spcAft>
-              <a:defRPr sz="4000" b="1">
-                <a:solidFill>
-                  <a:srgbClr val="003399"/>
-                </a:solidFill>
-                <a:latin typeface="Arial" panose="020B0604020202020204" pitchFamily="34" charset="0"/>
-              </a:defRPr>
-            </a:lvl7pPr>
-            <a:lvl8pPr marL="3429000" indent="-228600" defTabSz="908050" eaLnBrk="0" fontAlgn="base" hangingPunct="0">
-              <a:spcBef>
-                <a:spcPct val="0"/>
-              </a:spcBef>
-              <a:spcAft>
-                <a:spcPct val="0"/>
-              </a:spcAft>
-              <a:defRPr sz="4000" b="1">
-                <a:solidFill>
-                  <a:srgbClr val="003399"/>
-                </a:solidFill>
-                <a:latin typeface="Arial" panose="020B0604020202020204" pitchFamily="34" charset="0"/>
-              </a:defRPr>
-            </a:lvl8pPr>
-            <a:lvl9pPr marL="3886200" indent="-228600" defTabSz="908050" eaLnBrk="0" fontAlgn="base" hangingPunct="0">
-              <a:spcBef>
-                <a:spcPct val="0"/>
-              </a:spcBef>
-              <a:spcAft>
-                <a:spcPct val="0"/>
-              </a:spcAft>
-              <a:defRPr sz="4000" b="1">
-                <a:solidFill>
-                  <a:srgbClr val="003399"/>
-                </a:solidFill>
-                <a:latin typeface="Arial" panose="020B0604020202020204" pitchFamily="34" charset="0"/>
-              </a:defRPr>
-            </a:lvl9pPr>
-          </a:lstStyle>
-          <a:p>
-            <a:pPr algn="just"/>
-            <a:r>
-              <a:rPr lang="en-US" altLang="en-US" sz="5400" dirty="0">
-                <a:solidFill>
-                  <a:srgbClr val="000099"/>
-                </a:solidFill>
-                <a:latin typeface="Calibri" panose="020F0502020204030204" pitchFamily="34" charset="0"/>
-                <a:ea typeface="Calibri" panose="020F0502020204030204" pitchFamily="34" charset="0"/>
-                <a:cs typeface="Calibri" panose="020F0502020204030204" pitchFamily="34" charset="0"/>
-              </a:rPr>
-              <a:t>Comparing the Two Plots</a:t>
-            </a:r>
-          </a:p>
-          <a:p>
-            <a:pPr algn="just">
-              <a:spcBef>
-                <a:spcPts val="2538"/>
-              </a:spcBef>
-            </a:pPr>
-            <a:r>
-              <a:rPr lang="en-US" altLang="en-US" dirty="0">
-                <a:solidFill>
-                  <a:schemeClr val="tx1"/>
-                </a:solidFill>
-                <a:latin typeface="Calibri" panose="020F0502020204030204" pitchFamily="34" charset="0"/>
-                <a:ea typeface="Calibri" panose="020F0502020204030204" pitchFamily="34" charset="0"/>
-                <a:cs typeface="Calibri" panose="020F0502020204030204" pitchFamily="34" charset="0"/>
-              </a:rPr>
-              <a:t>	</a:t>
-            </a:r>
-            <a:endParaRPr lang="en-US" altLang="en-US" dirty="0">
-              <a:latin typeface="Calibri" panose="020F0502020204030204" pitchFamily="34" charset="0"/>
-              <a:ea typeface="Calibri" panose="020F0502020204030204" pitchFamily="34" charset="0"/>
-              <a:cs typeface="Calibri" panose="020F0502020204030204" pitchFamily="34" charset="0"/>
-            </a:endParaRPr>
-          </a:p>
-        </p:txBody>
-      </p:sp>
-      <p:sp>
-        <p:nvSpPr>
-          <p:cNvPr id="2059" name="Text Box 226"/>
-          <p:cNvSpPr txBox="1">
-            <a:spLocks noChangeArrowheads="1"/>
-          </p:cNvSpPr>
-          <p:nvPr/>
-        </p:nvSpPr>
-        <p:spPr bwMode="auto">
-          <a:xfrm>
-            <a:off x="279400" y="2498725"/>
-            <a:ext cx="3086100" cy="823913"/>
-          </a:xfrm>
-          <a:prstGeom prst="rect">
-            <a:avLst/>
-          </a:prstGeom>
-          <a:noFill/>
-          <a:ln>
-            <a:noFill/>
-          </a:ln>
-          <a:effectLst/>
-          <a:extLst>
-            <a:ext uri="{909E8E84-426E-40DD-AFC4-6F175D3DCCD1}">
-              <a14:hiddenFill xmlns:a14="http://schemas.microsoft.com/office/drawing/2010/main">
-                <a:solidFill>
-                  <a:schemeClr val="accent1"/>
-                </a:solidFill>
-              </a14:hiddenFill>
-            </a:ext>
-            <a:ext uri="{91240B29-F687-4F45-9708-019B960494DF}">
-              <a14:hiddenLine xmlns:a14="http://schemas.microsoft.com/office/drawing/2010/main" w="9525">
-                <a:solidFill>
-                  <a:schemeClr val="tx1"/>
-                </a:solidFill>
-                <a:miter lim="800000"/>
-                <a:headEnd/>
-                <a:tailEnd/>
-              </a14:hiddenLine>
-            </a:ext>
-            <a:ext uri="{AF507438-7753-43E0-B8FC-AC1667EBCBE1}">
-              <a14:hiddenEffects xmlns:a14="http://schemas.microsoft.com/office/drawing/2010/main">
-                <a:effectLst>
-                  <a:outerShdw dist="35921" dir="2700000" algn="ctr" rotWithShape="0">
-                    <a:schemeClr val="bg2"/>
-                  </a:outerShdw>
-                </a:effectLst>
-              </a14:hiddenEffects>
-            </a:ext>
-          </a:extLst>
-        </p:spPr>
-        <p:txBody>
-          <a:bodyPr wrap="none" lIns="419070" tIns="41907" rIns="419070" bIns="41907">
-            <a:spAutoFit/>
-          </a:bodyPr>
-          <a:lstStyle>
-            <a:lvl1pPr defTabSz="908050">
-              <a:defRPr sz="4000" b="1">
-                <a:solidFill>
-                  <a:srgbClr val="003399"/>
-                </a:solidFill>
-                <a:latin typeface="Arial" panose="020B0604020202020204" pitchFamily="34" charset="0"/>
-              </a:defRPr>
-            </a:lvl1pPr>
-            <a:lvl2pPr marL="742950" indent="-285750" defTabSz="908050">
-              <a:defRPr sz="4000" b="1">
-                <a:solidFill>
-                  <a:srgbClr val="003399"/>
-                </a:solidFill>
-                <a:latin typeface="Arial" panose="020B0604020202020204" pitchFamily="34" charset="0"/>
-              </a:defRPr>
-            </a:lvl2pPr>
-            <a:lvl3pPr marL="1143000" indent="-228600" defTabSz="908050">
-              <a:defRPr sz="4000" b="1">
-                <a:solidFill>
-                  <a:srgbClr val="003399"/>
-                </a:solidFill>
-                <a:latin typeface="Arial" panose="020B0604020202020204" pitchFamily="34" charset="0"/>
-              </a:defRPr>
-            </a:lvl3pPr>
-            <a:lvl4pPr marL="1600200" indent="-228600" defTabSz="908050">
-              <a:defRPr sz="4000" b="1">
-                <a:solidFill>
-                  <a:srgbClr val="003399"/>
-                </a:solidFill>
-                <a:latin typeface="Arial" panose="020B0604020202020204" pitchFamily="34" charset="0"/>
-              </a:defRPr>
-            </a:lvl4pPr>
-            <a:lvl5pPr marL="2057400" indent="-228600" defTabSz="908050">
-              <a:defRPr sz="4000" b="1">
-                <a:solidFill>
-                  <a:srgbClr val="003399"/>
-                </a:solidFill>
-                <a:latin typeface="Arial" panose="020B0604020202020204" pitchFamily="34" charset="0"/>
-              </a:defRPr>
-            </a:lvl5pPr>
-            <a:lvl6pPr marL="2514600" indent="-228600" defTabSz="908050" eaLnBrk="0" fontAlgn="base" hangingPunct="0">
-              <a:spcBef>
-                <a:spcPct val="0"/>
-              </a:spcBef>
-              <a:spcAft>
-                <a:spcPct val="0"/>
-              </a:spcAft>
-              <a:defRPr sz="4000" b="1">
-                <a:solidFill>
-                  <a:srgbClr val="003399"/>
-                </a:solidFill>
-                <a:latin typeface="Arial" panose="020B0604020202020204" pitchFamily="34" charset="0"/>
-              </a:defRPr>
-            </a:lvl6pPr>
-            <a:lvl7pPr marL="2971800" indent="-228600" defTabSz="908050" eaLnBrk="0" fontAlgn="base" hangingPunct="0">
-              <a:spcBef>
-                <a:spcPct val="0"/>
-              </a:spcBef>
-              <a:spcAft>
-                <a:spcPct val="0"/>
-              </a:spcAft>
-              <a:defRPr sz="4000" b="1">
-                <a:solidFill>
-                  <a:srgbClr val="003399"/>
-                </a:solidFill>
-                <a:latin typeface="Arial" panose="020B0604020202020204" pitchFamily="34" charset="0"/>
-              </a:defRPr>
-            </a:lvl7pPr>
-            <a:lvl8pPr marL="3429000" indent="-228600" defTabSz="908050" eaLnBrk="0" fontAlgn="base" hangingPunct="0">
-              <a:spcBef>
-                <a:spcPct val="0"/>
-              </a:spcBef>
-              <a:spcAft>
-                <a:spcPct val="0"/>
-              </a:spcAft>
-              <a:defRPr sz="4000" b="1">
-                <a:solidFill>
-                  <a:srgbClr val="003399"/>
-                </a:solidFill>
-                <a:latin typeface="Arial" panose="020B0604020202020204" pitchFamily="34" charset="0"/>
-              </a:defRPr>
-            </a:lvl8pPr>
-            <a:lvl9pPr marL="3886200" indent="-228600" defTabSz="908050" eaLnBrk="0" fontAlgn="base" hangingPunct="0">
-              <a:spcBef>
-                <a:spcPct val="0"/>
-              </a:spcBef>
-              <a:spcAft>
-                <a:spcPct val="0"/>
-              </a:spcAft>
-              <a:defRPr sz="4000" b="1">
-                <a:solidFill>
-                  <a:srgbClr val="003399"/>
-                </a:solidFill>
-                <a:latin typeface="Arial" panose="020B0604020202020204" pitchFamily="34" charset="0"/>
-              </a:defRPr>
-            </a:lvl9pPr>
-          </a:lstStyle>
-          <a:p>
-            <a:r>
-              <a:rPr lang="en-US" altLang="en-US" sz="4800">
-                <a:solidFill>
-                  <a:schemeClr val="tx1"/>
-                </a:solidFill>
-                <a:latin typeface="Calibri" panose="020F0502020204030204" pitchFamily="34" charset="0"/>
-                <a:ea typeface="Calibri" panose="020F0502020204030204" pitchFamily="34" charset="0"/>
-                <a:cs typeface="Calibri" panose="020F0502020204030204" pitchFamily="34" charset="0"/>
-              </a:rPr>
-              <a:t>Lab Logo</a:t>
-            </a:r>
-          </a:p>
-        </p:txBody>
-      </p:sp>
-      <p:sp>
-        <p:nvSpPr>
-          <p:cNvPr id="2062" name="Text Box 229"/>
-          <p:cNvSpPr txBox="1">
-            <a:spLocks noChangeArrowheads="1"/>
-          </p:cNvSpPr>
-          <p:nvPr/>
-        </p:nvSpPr>
-        <p:spPr bwMode="auto">
-          <a:xfrm>
-            <a:off x="13270258" y="15920285"/>
-            <a:ext cx="12568238" cy="641350"/>
-          </a:xfrm>
-          <a:prstGeom prst="rect">
-            <a:avLst/>
-          </a:prstGeom>
-          <a:noFill/>
-          <a:ln>
-            <a:noFill/>
-          </a:ln>
-          <a:effectLst/>
-          <a:extLst>
-            <a:ext uri="{909E8E84-426E-40DD-AFC4-6F175D3DCCD1}">
-              <a14:hiddenFill xmlns:a14="http://schemas.microsoft.com/office/drawing/2010/main">
-                <a:solidFill>
-                  <a:schemeClr val="accent1"/>
-                </a:solidFill>
-              </a14:hiddenFill>
-            </a:ext>
-            <a:ext uri="{91240B29-F687-4F45-9708-019B960494DF}">
-              <a14:hiddenLine xmlns:a14="http://schemas.microsoft.com/office/drawing/2010/main" w="9525">
-                <a:solidFill>
-                  <a:schemeClr val="tx1"/>
-                </a:solidFill>
-                <a:miter lim="800000"/>
-                <a:headEnd/>
-                <a:tailEnd/>
-              </a14:hiddenLine>
-            </a:ext>
-            <a:ext uri="{AF507438-7753-43E0-B8FC-AC1667EBCBE1}">
-              <a14:hiddenEffects xmlns:a14="http://schemas.microsoft.com/office/drawing/2010/main">
-                <a:effectLst>
-                  <a:outerShdw dist="35921" dir="2700000" algn="ctr" rotWithShape="0">
-                    <a:schemeClr val="bg2"/>
-                  </a:outerShdw>
-                </a:effectLst>
-              </a14:hiddenEffects>
-            </a:ext>
-          </a:extLst>
-        </p:spPr>
-        <p:txBody>
-          <a:bodyPr lIns="419070" tIns="45267" rIns="419070" bIns="45267">
-            <a:spAutoFit/>
-          </a:bodyPr>
-          <a:lstStyle>
-            <a:lvl1pPr defTabSz="908050">
-              <a:defRPr sz="4000" b="1">
-                <a:solidFill>
-                  <a:srgbClr val="003399"/>
-                </a:solidFill>
-                <a:latin typeface="Arial" panose="020B0604020202020204" pitchFamily="34" charset="0"/>
-              </a:defRPr>
-            </a:lvl1pPr>
-            <a:lvl2pPr marL="742950" indent="-285750" defTabSz="908050">
-              <a:defRPr sz="4000" b="1">
-                <a:solidFill>
-                  <a:srgbClr val="003399"/>
-                </a:solidFill>
-                <a:latin typeface="Arial" panose="020B0604020202020204" pitchFamily="34" charset="0"/>
-              </a:defRPr>
-            </a:lvl2pPr>
-            <a:lvl3pPr marL="1143000" indent="-228600" defTabSz="908050">
-              <a:defRPr sz="4000" b="1">
-                <a:solidFill>
-                  <a:srgbClr val="003399"/>
-                </a:solidFill>
-                <a:latin typeface="Arial" panose="020B0604020202020204" pitchFamily="34" charset="0"/>
-              </a:defRPr>
-            </a:lvl3pPr>
-            <a:lvl4pPr marL="1600200" indent="-228600" defTabSz="908050">
-              <a:defRPr sz="4000" b="1">
-                <a:solidFill>
-                  <a:srgbClr val="003399"/>
-                </a:solidFill>
-                <a:latin typeface="Arial" panose="020B0604020202020204" pitchFamily="34" charset="0"/>
-              </a:defRPr>
-            </a:lvl4pPr>
-            <a:lvl5pPr marL="2057400" indent="-228600" defTabSz="908050">
-              <a:defRPr sz="4000" b="1">
-                <a:solidFill>
-                  <a:srgbClr val="003399"/>
-                </a:solidFill>
-                <a:latin typeface="Arial" panose="020B0604020202020204" pitchFamily="34" charset="0"/>
-              </a:defRPr>
-            </a:lvl5pPr>
-            <a:lvl6pPr marL="2514600" indent="-228600" defTabSz="908050" eaLnBrk="0" fontAlgn="base" hangingPunct="0">
-              <a:spcBef>
-                <a:spcPct val="0"/>
-              </a:spcBef>
-              <a:spcAft>
-                <a:spcPct val="0"/>
-              </a:spcAft>
-              <a:defRPr sz="4000" b="1">
-                <a:solidFill>
-                  <a:srgbClr val="003399"/>
-                </a:solidFill>
-                <a:latin typeface="Arial" panose="020B0604020202020204" pitchFamily="34" charset="0"/>
-              </a:defRPr>
-            </a:lvl6pPr>
-            <a:lvl7pPr marL="2971800" indent="-228600" defTabSz="908050" eaLnBrk="0" fontAlgn="base" hangingPunct="0">
-              <a:spcBef>
-                <a:spcPct val="0"/>
-              </a:spcBef>
-              <a:spcAft>
-                <a:spcPct val="0"/>
-              </a:spcAft>
-              <a:defRPr sz="4000" b="1">
-                <a:solidFill>
-                  <a:srgbClr val="003399"/>
-                </a:solidFill>
-                <a:latin typeface="Arial" panose="020B0604020202020204" pitchFamily="34" charset="0"/>
-              </a:defRPr>
-            </a:lvl7pPr>
-            <a:lvl8pPr marL="3429000" indent="-228600" defTabSz="908050" eaLnBrk="0" fontAlgn="base" hangingPunct="0">
-              <a:spcBef>
-                <a:spcPct val="0"/>
-              </a:spcBef>
-              <a:spcAft>
-                <a:spcPct val="0"/>
-              </a:spcAft>
-              <a:defRPr sz="4000" b="1">
-                <a:solidFill>
-                  <a:srgbClr val="003399"/>
-                </a:solidFill>
-                <a:latin typeface="Arial" panose="020B0604020202020204" pitchFamily="34" charset="0"/>
-              </a:defRPr>
-            </a:lvl8pPr>
-            <a:lvl9pPr marL="3886200" indent="-228600" defTabSz="908050" eaLnBrk="0" fontAlgn="base" hangingPunct="0">
-              <a:spcBef>
-                <a:spcPct val="0"/>
-              </a:spcBef>
-              <a:spcAft>
-                <a:spcPct val="0"/>
-              </a:spcAft>
-              <a:defRPr sz="4000" b="1">
-                <a:solidFill>
-                  <a:srgbClr val="003399"/>
-                </a:solidFill>
-                <a:latin typeface="Arial" panose="020B0604020202020204" pitchFamily="34" charset="0"/>
-              </a:defRPr>
-            </a:lvl9pPr>
-          </a:lstStyle>
-          <a:p>
-            <a:r>
-              <a:rPr lang="en-US" altLang="en-US" sz="3600" dirty="0">
-                <a:solidFill>
-                  <a:schemeClr val="tx1"/>
-                </a:solidFill>
-                <a:latin typeface="Calibri" panose="020F0502020204030204" pitchFamily="34" charset="0"/>
-                <a:ea typeface="Calibri" panose="020F0502020204030204" pitchFamily="34" charset="0"/>
-                <a:cs typeface="Calibri" panose="020F0502020204030204" pitchFamily="34" charset="0"/>
-              </a:rPr>
-              <a:t>Figure 1. A single orbit using the Newtonian method</a:t>
-            </a:r>
-          </a:p>
-        </p:txBody>
-      </p:sp>
-      <p:sp>
-        <p:nvSpPr>
-          <p:cNvPr id="2064" name="Text Box 231"/>
-          <p:cNvSpPr txBox="1">
-            <a:spLocks noChangeArrowheads="1"/>
-          </p:cNvSpPr>
-          <p:nvPr/>
-        </p:nvSpPr>
-        <p:spPr bwMode="auto">
-          <a:xfrm>
-            <a:off x="13944600" y="31578550"/>
-            <a:ext cx="12568238" cy="641350"/>
-          </a:xfrm>
-          <a:prstGeom prst="rect">
-            <a:avLst/>
-          </a:prstGeom>
-          <a:noFill/>
-          <a:ln>
-            <a:noFill/>
-          </a:ln>
-          <a:effectLst/>
-          <a:extLst>
-            <a:ext uri="{909E8E84-426E-40DD-AFC4-6F175D3DCCD1}">
-              <a14:hiddenFill xmlns:a14="http://schemas.microsoft.com/office/drawing/2010/main">
-                <a:solidFill>
-                  <a:schemeClr val="accent1"/>
-                </a:solidFill>
-              </a14:hiddenFill>
-            </a:ext>
-            <a:ext uri="{91240B29-F687-4F45-9708-019B960494DF}">
-              <a14:hiddenLine xmlns:a14="http://schemas.microsoft.com/office/drawing/2010/main" w="9525">
-                <a:solidFill>
-                  <a:schemeClr val="tx1"/>
-                </a:solidFill>
-                <a:miter lim="800000"/>
-                <a:headEnd/>
-                <a:tailEnd/>
-              </a14:hiddenLine>
-            </a:ext>
-            <a:ext uri="{AF507438-7753-43E0-B8FC-AC1667EBCBE1}">
-              <a14:hiddenEffects xmlns:a14="http://schemas.microsoft.com/office/drawing/2010/main">
-                <a:effectLst>
-                  <a:outerShdw dist="35921" dir="2700000" algn="ctr" rotWithShape="0">
-                    <a:schemeClr val="bg2"/>
-                  </a:outerShdw>
-                </a:effectLst>
-              </a14:hiddenEffects>
-            </a:ext>
-          </a:extLst>
-        </p:spPr>
-        <p:txBody>
-          <a:bodyPr lIns="419070" tIns="45267" rIns="419070" bIns="45267">
-            <a:spAutoFit/>
-          </a:bodyPr>
-          <a:lstStyle>
-            <a:lvl1pPr defTabSz="908050">
-              <a:defRPr sz="4000" b="1">
-                <a:solidFill>
-                  <a:srgbClr val="003399"/>
-                </a:solidFill>
-                <a:latin typeface="Arial" panose="020B0604020202020204" pitchFamily="34" charset="0"/>
-              </a:defRPr>
-            </a:lvl1pPr>
-            <a:lvl2pPr marL="742950" indent="-285750" defTabSz="908050">
-              <a:defRPr sz="4000" b="1">
-                <a:solidFill>
-                  <a:srgbClr val="003399"/>
-                </a:solidFill>
-                <a:latin typeface="Arial" panose="020B0604020202020204" pitchFamily="34" charset="0"/>
-              </a:defRPr>
-            </a:lvl2pPr>
-            <a:lvl3pPr marL="1143000" indent="-228600" defTabSz="908050">
-              <a:defRPr sz="4000" b="1">
-                <a:solidFill>
-                  <a:srgbClr val="003399"/>
-                </a:solidFill>
-                <a:latin typeface="Arial" panose="020B0604020202020204" pitchFamily="34" charset="0"/>
-              </a:defRPr>
-            </a:lvl3pPr>
-            <a:lvl4pPr marL="1600200" indent="-228600" defTabSz="908050">
-              <a:defRPr sz="4000" b="1">
-                <a:solidFill>
-                  <a:srgbClr val="003399"/>
-                </a:solidFill>
-                <a:latin typeface="Arial" panose="020B0604020202020204" pitchFamily="34" charset="0"/>
-              </a:defRPr>
-            </a:lvl4pPr>
-            <a:lvl5pPr marL="2057400" indent="-228600" defTabSz="908050">
-              <a:defRPr sz="4000" b="1">
-                <a:solidFill>
-                  <a:srgbClr val="003399"/>
-                </a:solidFill>
-                <a:latin typeface="Arial" panose="020B0604020202020204" pitchFamily="34" charset="0"/>
-              </a:defRPr>
-            </a:lvl5pPr>
-            <a:lvl6pPr marL="2514600" indent="-228600" defTabSz="908050" eaLnBrk="0" fontAlgn="base" hangingPunct="0">
-              <a:spcBef>
-                <a:spcPct val="0"/>
-              </a:spcBef>
-              <a:spcAft>
-                <a:spcPct val="0"/>
-              </a:spcAft>
-              <a:defRPr sz="4000" b="1">
-                <a:solidFill>
-                  <a:srgbClr val="003399"/>
-                </a:solidFill>
-                <a:latin typeface="Arial" panose="020B0604020202020204" pitchFamily="34" charset="0"/>
-              </a:defRPr>
-            </a:lvl6pPr>
-            <a:lvl7pPr marL="2971800" indent="-228600" defTabSz="908050" eaLnBrk="0" fontAlgn="base" hangingPunct="0">
-              <a:spcBef>
-                <a:spcPct val="0"/>
-              </a:spcBef>
-              <a:spcAft>
-                <a:spcPct val="0"/>
-              </a:spcAft>
-              <a:defRPr sz="4000" b="1">
-                <a:solidFill>
-                  <a:srgbClr val="003399"/>
-                </a:solidFill>
-                <a:latin typeface="Arial" panose="020B0604020202020204" pitchFamily="34" charset="0"/>
-              </a:defRPr>
-            </a:lvl7pPr>
-            <a:lvl8pPr marL="3429000" indent="-228600" defTabSz="908050" eaLnBrk="0" fontAlgn="base" hangingPunct="0">
-              <a:spcBef>
-                <a:spcPct val="0"/>
-              </a:spcBef>
-              <a:spcAft>
-                <a:spcPct val="0"/>
-              </a:spcAft>
-              <a:defRPr sz="4000" b="1">
-                <a:solidFill>
-                  <a:srgbClr val="003399"/>
-                </a:solidFill>
-                <a:latin typeface="Arial" panose="020B0604020202020204" pitchFamily="34" charset="0"/>
-              </a:defRPr>
-            </a:lvl8pPr>
-            <a:lvl9pPr marL="3886200" indent="-228600" defTabSz="908050" eaLnBrk="0" fontAlgn="base" hangingPunct="0">
-              <a:spcBef>
-                <a:spcPct val="0"/>
-              </a:spcBef>
-              <a:spcAft>
-                <a:spcPct val="0"/>
-              </a:spcAft>
-              <a:defRPr sz="4000" b="1">
-                <a:solidFill>
-                  <a:srgbClr val="003399"/>
-                </a:solidFill>
-                <a:latin typeface="Arial" panose="020B0604020202020204" pitchFamily="34" charset="0"/>
-              </a:defRPr>
-            </a:lvl9pPr>
-          </a:lstStyle>
-          <a:p>
-            <a:r>
-              <a:rPr lang="en-US" altLang="en-US" sz="3600" dirty="0">
-                <a:solidFill>
-                  <a:schemeClr val="tx1"/>
-                </a:solidFill>
-                <a:latin typeface="Calibri" panose="020F0502020204030204" pitchFamily="34" charset="0"/>
-                <a:ea typeface="Calibri" panose="020F0502020204030204" pitchFamily="34" charset="0"/>
-                <a:cs typeface="Calibri" panose="020F0502020204030204" pitchFamily="34" charset="0"/>
-              </a:rPr>
-              <a:t>Figure 2. A single orbit using the Schwarzschild method</a:t>
-            </a:r>
-          </a:p>
-        </p:txBody>
-      </p:sp>
-      <p:sp>
-        <p:nvSpPr>
-          <p:cNvPr id="2066" name="Text Box 233"/>
-          <p:cNvSpPr txBox="1">
-            <a:spLocks noChangeArrowheads="1"/>
-          </p:cNvSpPr>
-          <p:nvPr/>
-        </p:nvSpPr>
-        <p:spPr bwMode="auto">
-          <a:xfrm>
-            <a:off x="27714575" y="4532243"/>
-            <a:ext cx="12274550" cy="6167440"/>
-          </a:xfrm>
-          <a:prstGeom prst="rect">
-            <a:avLst/>
-          </a:prstGeom>
-          <a:noFill/>
-          <a:ln>
-            <a:noFill/>
-          </a:ln>
-          <a:effectLst/>
-          <a:extLst>
-            <a:ext uri="{909E8E84-426E-40DD-AFC4-6F175D3DCCD1}">
-              <a14:hiddenFill xmlns:a14="http://schemas.microsoft.com/office/drawing/2010/main">
-                <a:solidFill>
-                  <a:schemeClr val="accent1"/>
-                </a:solidFill>
-              </a14:hiddenFill>
-            </a:ext>
-            <a:ext uri="{91240B29-F687-4F45-9708-019B960494DF}">
-              <a14:hiddenLine xmlns:a14="http://schemas.microsoft.com/office/drawing/2010/main" w="9525">
-                <a:solidFill>
-                  <a:schemeClr val="tx1"/>
-                </a:solidFill>
-                <a:miter lim="800000"/>
-                <a:headEnd/>
-                <a:tailEnd/>
-              </a14:hiddenLine>
-            </a:ext>
-            <a:ext uri="{AF507438-7753-43E0-B8FC-AC1667EBCBE1}">
-              <a14:hiddenEffects xmlns:a14="http://schemas.microsoft.com/office/drawing/2010/main">
-                <a:effectLst>
-                  <a:outerShdw dist="35921" dir="2700000" algn="ctr" rotWithShape="0">
-                    <a:schemeClr val="bg2"/>
-                  </a:outerShdw>
-                </a:effectLst>
-              </a14:hiddenEffects>
-            </a:ext>
-          </a:extLst>
-        </p:spPr>
-        <p:txBody>
-          <a:bodyPr lIns="457200" tIns="45267" rIns="457200" bIns="45267">
-            <a:spAutoFit/>
-          </a:bodyPr>
-          <a:lstStyle>
-            <a:lvl1pPr defTabSz="908050">
-              <a:defRPr sz="4000" b="1">
-                <a:solidFill>
-                  <a:srgbClr val="003399"/>
-                </a:solidFill>
-                <a:latin typeface="Arial" panose="020B0604020202020204" pitchFamily="34" charset="0"/>
-              </a:defRPr>
-            </a:lvl1pPr>
-            <a:lvl2pPr marL="742950" indent="-285750" defTabSz="908050">
-              <a:defRPr sz="4000" b="1">
-                <a:solidFill>
-                  <a:srgbClr val="003399"/>
-                </a:solidFill>
-                <a:latin typeface="Arial" panose="020B0604020202020204" pitchFamily="34" charset="0"/>
-              </a:defRPr>
-            </a:lvl2pPr>
-            <a:lvl3pPr marL="1143000" indent="-228600" defTabSz="908050">
-              <a:defRPr sz="4000" b="1">
-                <a:solidFill>
-                  <a:srgbClr val="003399"/>
-                </a:solidFill>
-                <a:latin typeface="Arial" panose="020B0604020202020204" pitchFamily="34" charset="0"/>
-              </a:defRPr>
-            </a:lvl3pPr>
-            <a:lvl4pPr marL="1600200" indent="-228600" defTabSz="908050">
-              <a:defRPr sz="4000" b="1">
-                <a:solidFill>
-                  <a:srgbClr val="003399"/>
-                </a:solidFill>
-                <a:latin typeface="Arial" panose="020B0604020202020204" pitchFamily="34" charset="0"/>
-              </a:defRPr>
-            </a:lvl4pPr>
-            <a:lvl5pPr marL="2057400" indent="-228600" defTabSz="908050">
-              <a:defRPr sz="4000" b="1">
-                <a:solidFill>
-                  <a:srgbClr val="003399"/>
-                </a:solidFill>
-                <a:latin typeface="Arial" panose="020B0604020202020204" pitchFamily="34" charset="0"/>
-              </a:defRPr>
-            </a:lvl5pPr>
-            <a:lvl6pPr marL="2514600" indent="-228600" defTabSz="908050" eaLnBrk="0" fontAlgn="base" hangingPunct="0">
-              <a:spcBef>
-                <a:spcPct val="0"/>
-              </a:spcBef>
-              <a:spcAft>
-                <a:spcPct val="0"/>
-              </a:spcAft>
-              <a:defRPr sz="4000" b="1">
-                <a:solidFill>
-                  <a:srgbClr val="003399"/>
-                </a:solidFill>
-                <a:latin typeface="Arial" panose="020B0604020202020204" pitchFamily="34" charset="0"/>
-              </a:defRPr>
-            </a:lvl6pPr>
-            <a:lvl7pPr marL="2971800" indent="-228600" defTabSz="908050" eaLnBrk="0" fontAlgn="base" hangingPunct="0">
-              <a:spcBef>
-                <a:spcPct val="0"/>
-              </a:spcBef>
-              <a:spcAft>
-                <a:spcPct val="0"/>
-              </a:spcAft>
-              <a:defRPr sz="4000" b="1">
-                <a:solidFill>
-                  <a:srgbClr val="003399"/>
-                </a:solidFill>
-                <a:latin typeface="Arial" panose="020B0604020202020204" pitchFamily="34" charset="0"/>
-              </a:defRPr>
-            </a:lvl7pPr>
-            <a:lvl8pPr marL="3429000" indent="-228600" defTabSz="908050" eaLnBrk="0" fontAlgn="base" hangingPunct="0">
-              <a:spcBef>
-                <a:spcPct val="0"/>
-              </a:spcBef>
-              <a:spcAft>
-                <a:spcPct val="0"/>
-              </a:spcAft>
-              <a:defRPr sz="4000" b="1">
-                <a:solidFill>
-                  <a:srgbClr val="003399"/>
-                </a:solidFill>
-                <a:latin typeface="Arial" panose="020B0604020202020204" pitchFamily="34" charset="0"/>
-              </a:defRPr>
-            </a:lvl8pPr>
-            <a:lvl9pPr marL="3886200" indent="-228600" defTabSz="908050" eaLnBrk="0" fontAlgn="base" hangingPunct="0">
-              <a:spcBef>
-                <a:spcPct val="0"/>
-              </a:spcBef>
-              <a:spcAft>
-                <a:spcPct val="0"/>
-              </a:spcAft>
-              <a:defRPr sz="4000" b="1">
-                <a:solidFill>
-                  <a:srgbClr val="003399"/>
-                </a:solidFill>
-                <a:latin typeface="Arial" panose="020B0604020202020204" pitchFamily="34" charset="0"/>
-              </a:defRPr>
-            </a:lvl9pPr>
-          </a:lstStyle>
-          <a:p>
-            <a:pPr algn="just"/>
-            <a:r>
-              <a:rPr lang="en-US" altLang="en-US" sz="5400" dirty="0">
-                <a:solidFill>
-                  <a:srgbClr val="000099"/>
-                </a:solidFill>
-                <a:latin typeface="Calibri" panose="020F0502020204030204" pitchFamily="34" charset="0"/>
-                <a:ea typeface="Calibri" panose="020F0502020204030204" pitchFamily="34" charset="0"/>
-                <a:cs typeface="Calibri" panose="020F0502020204030204" pitchFamily="34" charset="0"/>
-              </a:rPr>
-              <a:t>Missing Precession</a:t>
-            </a:r>
-            <a:endParaRPr lang="en-US" altLang="en-US" sz="4800" dirty="0">
-              <a:solidFill>
-                <a:srgbClr val="000099"/>
-              </a:solidFill>
-              <a:latin typeface="Calibri" panose="020F0502020204030204" pitchFamily="34" charset="0"/>
-              <a:ea typeface="Calibri" panose="020F0502020204030204" pitchFamily="34" charset="0"/>
-              <a:cs typeface="Calibri" panose="020F0502020204030204" pitchFamily="34" charset="0"/>
-            </a:endParaRPr>
-          </a:p>
-          <a:p>
-            <a:pPr algn="just">
-              <a:spcBef>
-                <a:spcPts val="2538"/>
-              </a:spcBef>
-            </a:pPr>
-            <a:r>
-              <a:rPr lang="en-US" altLang="en-US" dirty="0">
-                <a:solidFill>
-                  <a:schemeClr val="tx1"/>
-                </a:solidFill>
-                <a:latin typeface="Calibri" panose="020F0502020204030204" pitchFamily="34" charset="0"/>
-                <a:ea typeface="Calibri" panose="020F0502020204030204" pitchFamily="34" charset="0"/>
-                <a:cs typeface="Calibri" panose="020F0502020204030204" pitchFamily="34" charset="0"/>
-              </a:rPr>
-              <a:t>	The main motivation for modeling the orbit of mercury using general relativity is to show the precession of Mercury’s orbit, however that precession is missing from the </a:t>
-            </a:r>
-            <a:r>
-              <a:rPr lang="en-US" altLang="en-US" dirty="0" err="1">
-                <a:solidFill>
-                  <a:schemeClr val="tx1"/>
-                </a:solidFill>
-                <a:latin typeface="Calibri" panose="020F0502020204030204" pitchFamily="34" charset="0"/>
-                <a:ea typeface="Calibri" panose="020F0502020204030204" pitchFamily="34" charset="0"/>
-                <a:cs typeface="Calibri" panose="020F0502020204030204" pitchFamily="34" charset="0"/>
-              </a:rPr>
-              <a:t>odeint</a:t>
-            </a:r>
-            <a:r>
-              <a:rPr lang="en-US" altLang="en-US" dirty="0">
-                <a:solidFill>
-                  <a:schemeClr val="tx1"/>
-                </a:solidFill>
-                <a:latin typeface="Calibri" panose="020F0502020204030204" pitchFamily="34" charset="0"/>
-                <a:ea typeface="Calibri" panose="020F0502020204030204" pitchFamily="34" charset="0"/>
-                <a:cs typeface="Calibri" panose="020F0502020204030204" pitchFamily="34" charset="0"/>
-              </a:rPr>
-              <a:t> method as shown in this plot, which models the orbit of  Mercury for 150 years.  Longer run times are infeasible as memory overflow errors prevent the code from be</a:t>
-            </a:r>
-            <a:endParaRPr lang="en-US" altLang="en-US" dirty="0">
-              <a:latin typeface="Calibri" panose="020F0502020204030204" pitchFamily="34" charset="0"/>
-              <a:ea typeface="Calibri" panose="020F0502020204030204" pitchFamily="34" charset="0"/>
-              <a:cs typeface="Calibri" panose="020F0502020204030204" pitchFamily="34" charset="0"/>
-            </a:endParaRPr>
-          </a:p>
-        </p:txBody>
-      </p:sp>
-      <p:sp>
-        <p:nvSpPr>
-          <p:cNvPr id="2067" name="Text Box 234"/>
-          <p:cNvSpPr txBox="1">
-            <a:spLocks noChangeArrowheads="1"/>
-          </p:cNvSpPr>
-          <p:nvPr/>
-        </p:nvSpPr>
-        <p:spPr bwMode="auto">
-          <a:xfrm>
-            <a:off x="27687587" y="19684457"/>
-            <a:ext cx="12263438" cy="1199414"/>
-          </a:xfrm>
-          <a:prstGeom prst="rect">
-            <a:avLst/>
-          </a:prstGeom>
-          <a:noFill/>
-          <a:ln>
-            <a:noFill/>
-          </a:ln>
-          <a:effectLst/>
-          <a:extLst>
-            <a:ext uri="{909E8E84-426E-40DD-AFC4-6F175D3DCCD1}">
-              <a14:hiddenFill xmlns:a14="http://schemas.microsoft.com/office/drawing/2010/main">
-                <a:solidFill>
-                  <a:schemeClr val="accent1"/>
-                </a:solidFill>
-              </a14:hiddenFill>
-            </a:ext>
-            <a:ext uri="{91240B29-F687-4F45-9708-019B960494DF}">
-              <a14:hiddenLine xmlns:a14="http://schemas.microsoft.com/office/drawing/2010/main" w="9525">
-                <a:solidFill>
-                  <a:schemeClr val="tx1"/>
-                </a:solidFill>
-                <a:miter lim="800000"/>
-                <a:headEnd/>
-                <a:tailEnd/>
-              </a14:hiddenLine>
-            </a:ext>
-            <a:ext uri="{AF507438-7753-43E0-B8FC-AC1667EBCBE1}">
-              <a14:hiddenEffects xmlns:a14="http://schemas.microsoft.com/office/drawing/2010/main">
-                <a:effectLst>
-                  <a:outerShdw dist="35921" dir="2700000" algn="ctr" rotWithShape="0">
-                    <a:schemeClr val="bg2"/>
-                  </a:outerShdw>
-                </a:effectLst>
-              </a14:hiddenEffects>
-            </a:ext>
-          </a:extLst>
-        </p:spPr>
-        <p:txBody>
-          <a:bodyPr lIns="457200" tIns="45267" rIns="457200" bIns="45267">
-            <a:spAutoFit/>
-          </a:bodyPr>
-          <a:lstStyle>
-            <a:lvl1pPr defTabSz="908050">
-              <a:defRPr sz="4000" b="1">
-                <a:solidFill>
-                  <a:srgbClr val="003399"/>
-                </a:solidFill>
-                <a:latin typeface="Arial" panose="020B0604020202020204" pitchFamily="34" charset="0"/>
-              </a:defRPr>
-            </a:lvl1pPr>
-            <a:lvl2pPr marL="742950" indent="-285750" defTabSz="908050">
-              <a:defRPr sz="4000" b="1">
-                <a:solidFill>
-                  <a:srgbClr val="003399"/>
-                </a:solidFill>
-                <a:latin typeface="Arial" panose="020B0604020202020204" pitchFamily="34" charset="0"/>
-              </a:defRPr>
-            </a:lvl2pPr>
-            <a:lvl3pPr marL="1143000" indent="-228600" defTabSz="908050">
-              <a:defRPr sz="4000" b="1">
-                <a:solidFill>
-                  <a:srgbClr val="003399"/>
-                </a:solidFill>
-                <a:latin typeface="Arial" panose="020B0604020202020204" pitchFamily="34" charset="0"/>
-              </a:defRPr>
-            </a:lvl3pPr>
-            <a:lvl4pPr marL="1600200" indent="-228600" defTabSz="908050">
-              <a:defRPr sz="4000" b="1">
-                <a:solidFill>
-                  <a:srgbClr val="003399"/>
-                </a:solidFill>
-                <a:latin typeface="Arial" panose="020B0604020202020204" pitchFamily="34" charset="0"/>
-              </a:defRPr>
-            </a:lvl4pPr>
-            <a:lvl5pPr marL="2057400" indent="-228600" defTabSz="908050">
-              <a:defRPr sz="4000" b="1">
-                <a:solidFill>
-                  <a:srgbClr val="003399"/>
-                </a:solidFill>
-                <a:latin typeface="Arial" panose="020B0604020202020204" pitchFamily="34" charset="0"/>
-              </a:defRPr>
-            </a:lvl5pPr>
-            <a:lvl6pPr marL="2514600" indent="-228600" defTabSz="908050" eaLnBrk="0" fontAlgn="base" hangingPunct="0">
-              <a:spcBef>
-                <a:spcPct val="0"/>
-              </a:spcBef>
-              <a:spcAft>
-                <a:spcPct val="0"/>
-              </a:spcAft>
-              <a:defRPr sz="4000" b="1">
-                <a:solidFill>
-                  <a:srgbClr val="003399"/>
-                </a:solidFill>
-                <a:latin typeface="Arial" panose="020B0604020202020204" pitchFamily="34" charset="0"/>
-              </a:defRPr>
-            </a:lvl6pPr>
-            <a:lvl7pPr marL="2971800" indent="-228600" defTabSz="908050" eaLnBrk="0" fontAlgn="base" hangingPunct="0">
-              <a:spcBef>
-                <a:spcPct val="0"/>
-              </a:spcBef>
-              <a:spcAft>
-                <a:spcPct val="0"/>
-              </a:spcAft>
-              <a:defRPr sz="4000" b="1">
-                <a:solidFill>
-                  <a:srgbClr val="003399"/>
-                </a:solidFill>
-                <a:latin typeface="Arial" panose="020B0604020202020204" pitchFamily="34" charset="0"/>
-              </a:defRPr>
-            </a:lvl7pPr>
-            <a:lvl8pPr marL="3429000" indent="-228600" defTabSz="908050" eaLnBrk="0" fontAlgn="base" hangingPunct="0">
-              <a:spcBef>
-                <a:spcPct val="0"/>
-              </a:spcBef>
-              <a:spcAft>
-                <a:spcPct val="0"/>
-              </a:spcAft>
-              <a:defRPr sz="4000" b="1">
-                <a:solidFill>
-                  <a:srgbClr val="003399"/>
-                </a:solidFill>
-                <a:latin typeface="Arial" panose="020B0604020202020204" pitchFamily="34" charset="0"/>
-              </a:defRPr>
-            </a:lvl8pPr>
-            <a:lvl9pPr marL="3886200" indent="-228600" defTabSz="908050" eaLnBrk="0" fontAlgn="base" hangingPunct="0">
-              <a:spcBef>
-                <a:spcPct val="0"/>
-              </a:spcBef>
-              <a:spcAft>
-                <a:spcPct val="0"/>
-              </a:spcAft>
-              <a:defRPr sz="4000" b="1">
-                <a:solidFill>
-                  <a:srgbClr val="003399"/>
-                </a:solidFill>
-                <a:latin typeface="Arial" panose="020B0604020202020204" pitchFamily="34" charset="0"/>
-              </a:defRPr>
-            </a:lvl9pPr>
-          </a:lstStyle>
-          <a:p>
-            <a:r>
-              <a:rPr lang="en-US" altLang="en-US" sz="3600" dirty="0">
-                <a:solidFill>
-                  <a:schemeClr val="tx1"/>
-                </a:solidFill>
-                <a:latin typeface="Calibri" panose="020F0502020204030204" pitchFamily="34" charset="0"/>
-                <a:ea typeface="Calibri" panose="020F0502020204030204" pitchFamily="34" charset="0"/>
-                <a:cs typeface="Calibri" panose="020F0502020204030204" pitchFamily="34" charset="0"/>
-              </a:rPr>
-              <a:t>Figure 3. Mercury’s orbit over 622 orbital periods.  No precession occurred during this time.</a:t>
-            </a:r>
-          </a:p>
-        </p:txBody>
-      </p:sp>
-      <p:sp>
-        <p:nvSpPr>
-          <p:cNvPr id="2069" name="Text Box 237"/>
-          <p:cNvSpPr txBox="1">
-            <a:spLocks noChangeArrowheads="1"/>
-          </p:cNvSpPr>
-          <p:nvPr/>
-        </p:nvSpPr>
-        <p:spPr bwMode="auto">
-          <a:xfrm>
-            <a:off x="27481904" y="20966276"/>
-            <a:ext cx="12220575" cy="5551887"/>
-          </a:xfrm>
-          <a:prstGeom prst="rect">
-            <a:avLst/>
-          </a:prstGeom>
-          <a:noFill/>
-          <a:ln>
-            <a:noFill/>
-          </a:ln>
-          <a:effectLst/>
-          <a:extLst>
-            <a:ext uri="{909E8E84-426E-40DD-AFC4-6F175D3DCCD1}">
-              <a14:hiddenFill xmlns:a14="http://schemas.microsoft.com/office/drawing/2010/main">
-                <a:solidFill>
-                  <a:schemeClr val="accent1"/>
-                </a:solidFill>
-              </a14:hiddenFill>
-            </a:ext>
-            <a:ext uri="{91240B29-F687-4F45-9708-019B960494DF}">
-              <a14:hiddenLine xmlns:a14="http://schemas.microsoft.com/office/drawing/2010/main" w="9525">
-                <a:solidFill>
-                  <a:schemeClr val="tx1"/>
-                </a:solidFill>
-                <a:miter lim="800000"/>
-                <a:headEnd/>
-                <a:tailEnd/>
-              </a14:hiddenLine>
-            </a:ext>
-            <a:ext uri="{AF507438-7753-43E0-B8FC-AC1667EBCBE1}">
-              <a14:hiddenEffects xmlns:a14="http://schemas.microsoft.com/office/drawing/2010/main">
-                <a:effectLst>
-                  <a:outerShdw dist="35921" dir="2700000" algn="ctr" rotWithShape="0">
-                    <a:schemeClr val="bg2"/>
-                  </a:outerShdw>
-                </a:effectLst>
-              </a14:hiddenEffects>
-            </a:ext>
-          </a:extLst>
-        </p:spPr>
-        <p:txBody>
-          <a:bodyPr lIns="457200" tIns="45267" rIns="457200" bIns="45267">
-            <a:spAutoFit/>
-          </a:bodyPr>
-          <a:lstStyle>
-            <a:lvl1pPr defTabSz="908050">
-              <a:defRPr sz="4000" b="1">
-                <a:solidFill>
-                  <a:srgbClr val="003399"/>
-                </a:solidFill>
-                <a:latin typeface="Arial" panose="020B0604020202020204" pitchFamily="34" charset="0"/>
-              </a:defRPr>
-            </a:lvl1pPr>
-            <a:lvl2pPr marL="742950" indent="-285750" defTabSz="908050">
-              <a:defRPr sz="4000" b="1">
-                <a:solidFill>
-                  <a:srgbClr val="003399"/>
-                </a:solidFill>
-                <a:latin typeface="Arial" panose="020B0604020202020204" pitchFamily="34" charset="0"/>
-              </a:defRPr>
-            </a:lvl2pPr>
-            <a:lvl3pPr marL="1143000" indent="-228600" defTabSz="908050">
-              <a:defRPr sz="4000" b="1">
-                <a:solidFill>
-                  <a:srgbClr val="003399"/>
-                </a:solidFill>
-                <a:latin typeface="Arial" panose="020B0604020202020204" pitchFamily="34" charset="0"/>
-              </a:defRPr>
-            </a:lvl3pPr>
-            <a:lvl4pPr marL="1600200" indent="-228600" defTabSz="908050">
-              <a:defRPr sz="4000" b="1">
-                <a:solidFill>
-                  <a:srgbClr val="003399"/>
-                </a:solidFill>
-                <a:latin typeface="Arial" panose="020B0604020202020204" pitchFamily="34" charset="0"/>
-              </a:defRPr>
-            </a:lvl4pPr>
-            <a:lvl5pPr marL="2057400" indent="-228600" defTabSz="908050">
-              <a:defRPr sz="4000" b="1">
-                <a:solidFill>
-                  <a:srgbClr val="003399"/>
-                </a:solidFill>
-                <a:latin typeface="Arial" panose="020B0604020202020204" pitchFamily="34" charset="0"/>
-              </a:defRPr>
-            </a:lvl5pPr>
-            <a:lvl6pPr marL="2514600" indent="-228600" defTabSz="908050" eaLnBrk="0" fontAlgn="base" hangingPunct="0">
-              <a:spcBef>
-                <a:spcPct val="0"/>
-              </a:spcBef>
-              <a:spcAft>
-                <a:spcPct val="0"/>
-              </a:spcAft>
-              <a:defRPr sz="4000" b="1">
-                <a:solidFill>
-                  <a:srgbClr val="003399"/>
-                </a:solidFill>
-                <a:latin typeface="Arial" panose="020B0604020202020204" pitchFamily="34" charset="0"/>
-              </a:defRPr>
-            </a:lvl6pPr>
-            <a:lvl7pPr marL="2971800" indent="-228600" defTabSz="908050" eaLnBrk="0" fontAlgn="base" hangingPunct="0">
-              <a:spcBef>
-                <a:spcPct val="0"/>
-              </a:spcBef>
-              <a:spcAft>
-                <a:spcPct val="0"/>
-              </a:spcAft>
-              <a:defRPr sz="4000" b="1">
-                <a:solidFill>
-                  <a:srgbClr val="003399"/>
-                </a:solidFill>
-                <a:latin typeface="Arial" panose="020B0604020202020204" pitchFamily="34" charset="0"/>
-              </a:defRPr>
-            </a:lvl7pPr>
-            <a:lvl8pPr marL="3429000" indent="-228600" defTabSz="908050" eaLnBrk="0" fontAlgn="base" hangingPunct="0">
-              <a:spcBef>
-                <a:spcPct val="0"/>
-              </a:spcBef>
-              <a:spcAft>
-                <a:spcPct val="0"/>
-              </a:spcAft>
-              <a:defRPr sz="4000" b="1">
-                <a:solidFill>
-                  <a:srgbClr val="003399"/>
-                </a:solidFill>
-                <a:latin typeface="Arial" panose="020B0604020202020204" pitchFamily="34" charset="0"/>
-              </a:defRPr>
-            </a:lvl8pPr>
-            <a:lvl9pPr marL="3886200" indent="-228600" defTabSz="908050" eaLnBrk="0" fontAlgn="base" hangingPunct="0">
-              <a:spcBef>
-                <a:spcPct val="0"/>
-              </a:spcBef>
-              <a:spcAft>
-                <a:spcPct val="0"/>
-              </a:spcAft>
-              <a:defRPr sz="4000" b="1">
-                <a:solidFill>
-                  <a:srgbClr val="003399"/>
-                </a:solidFill>
-                <a:latin typeface="Arial" panose="020B0604020202020204" pitchFamily="34" charset="0"/>
-              </a:defRPr>
-            </a:lvl9pPr>
-          </a:lstStyle>
-          <a:p>
-            <a:pPr algn="just"/>
-            <a:r>
-              <a:rPr lang="en-US" altLang="en-US" sz="5400" dirty="0">
-                <a:solidFill>
-                  <a:srgbClr val="000099"/>
-                </a:solidFill>
-                <a:latin typeface="Calibri" panose="020F0502020204030204" pitchFamily="34" charset="0"/>
-                <a:ea typeface="Calibri" panose="020F0502020204030204" pitchFamily="34" charset="0"/>
-                <a:cs typeface="Calibri" panose="020F0502020204030204" pitchFamily="34" charset="0"/>
-              </a:rPr>
-              <a:t>Conclusion</a:t>
-            </a:r>
-          </a:p>
-          <a:p>
-            <a:pPr algn="just">
-              <a:spcBef>
-                <a:spcPts val="2538"/>
-              </a:spcBef>
-            </a:pPr>
-            <a:r>
-              <a:rPr lang="en-US" altLang="en-US" dirty="0">
-                <a:solidFill>
-                  <a:schemeClr val="tx1"/>
-                </a:solidFill>
-                <a:latin typeface="Calibri" panose="020F0502020204030204" pitchFamily="34" charset="0"/>
-                <a:ea typeface="Calibri" panose="020F0502020204030204" pitchFamily="34" charset="0"/>
-                <a:cs typeface="Calibri" panose="020F0502020204030204" pitchFamily="34" charset="0"/>
-              </a:rPr>
-              <a:t>	For long term modeling of Mercury’s orbit new methods will need to be investigated, the most promising method is the IAS15 integrator built specifically to handle gravitational dynamics (Rein, Spiegel, 2014).  The regular ode functions of </a:t>
-            </a:r>
-            <a:r>
-              <a:rPr lang="en-US" altLang="en-US" dirty="0" err="1">
-                <a:solidFill>
-                  <a:schemeClr val="tx1"/>
-                </a:solidFill>
-                <a:latin typeface="Calibri" panose="020F0502020204030204" pitchFamily="34" charset="0"/>
-                <a:ea typeface="Calibri" panose="020F0502020204030204" pitchFamily="34" charset="0"/>
-                <a:cs typeface="Calibri" panose="020F0502020204030204" pitchFamily="34" charset="0"/>
-              </a:rPr>
-              <a:t>numpy</a:t>
-            </a:r>
-            <a:r>
-              <a:rPr lang="en-US" altLang="en-US" dirty="0">
-                <a:solidFill>
-                  <a:schemeClr val="tx1"/>
-                </a:solidFill>
-                <a:latin typeface="Calibri" panose="020F0502020204030204" pitchFamily="34" charset="0"/>
-                <a:ea typeface="Calibri" panose="020F0502020204030204" pitchFamily="34" charset="0"/>
-                <a:cs typeface="Calibri" panose="020F0502020204030204" pitchFamily="34" charset="0"/>
-              </a:rPr>
-              <a:t> are not accurate enough and have high memory demands over long time periods.</a:t>
-            </a:r>
-            <a:endParaRPr lang="en-US" altLang="en-US" dirty="0">
-              <a:latin typeface="Calibri" panose="020F0502020204030204" pitchFamily="34" charset="0"/>
-              <a:ea typeface="Calibri" panose="020F0502020204030204" pitchFamily="34" charset="0"/>
-              <a:cs typeface="Calibri" panose="020F0502020204030204" pitchFamily="34" charset="0"/>
-            </a:endParaRPr>
-          </a:p>
-        </p:txBody>
-      </p:sp>
-      <p:sp>
-        <p:nvSpPr>
-          <p:cNvPr id="2070" name="Text Box 238"/>
-          <p:cNvSpPr txBox="1">
-            <a:spLocks noChangeArrowheads="1"/>
-          </p:cNvSpPr>
-          <p:nvPr/>
-        </p:nvSpPr>
-        <p:spPr bwMode="auto">
-          <a:xfrm>
-            <a:off x="27406600" y="28277909"/>
-            <a:ext cx="12242800" cy="3400016"/>
-          </a:xfrm>
-          <a:prstGeom prst="rect">
-            <a:avLst/>
-          </a:prstGeom>
-          <a:noFill/>
-          <a:ln>
-            <a:noFill/>
-          </a:ln>
-          <a:effectLst/>
-          <a:extLst>
-            <a:ext uri="{909E8E84-426E-40DD-AFC4-6F175D3DCCD1}">
-              <a14:hiddenFill xmlns:a14="http://schemas.microsoft.com/office/drawing/2010/main">
-                <a:solidFill>
-                  <a:schemeClr val="accent1"/>
-                </a:solidFill>
-              </a14:hiddenFill>
-            </a:ext>
-            <a:ext uri="{91240B29-F687-4F45-9708-019B960494DF}">
-              <a14:hiddenLine xmlns:a14="http://schemas.microsoft.com/office/drawing/2010/main" w="9525">
-                <a:solidFill>
-                  <a:schemeClr val="tx1"/>
-                </a:solidFill>
-                <a:miter lim="800000"/>
-                <a:headEnd/>
-                <a:tailEnd/>
-              </a14:hiddenLine>
-            </a:ext>
-            <a:ext uri="{AF507438-7753-43E0-B8FC-AC1667EBCBE1}">
-              <a14:hiddenEffects xmlns:a14="http://schemas.microsoft.com/office/drawing/2010/main">
-                <a:effectLst>
-                  <a:outerShdw dist="35921" dir="2700000" algn="ctr" rotWithShape="0">
-                    <a:schemeClr val="bg2"/>
-                  </a:outerShdw>
-                </a:effectLst>
-              </a14:hiddenEffects>
-            </a:ext>
-          </a:extLst>
-        </p:spPr>
-        <p:txBody>
-          <a:bodyPr lIns="457200" tIns="45267" rIns="457200" bIns="45267">
-            <a:spAutoFit/>
-          </a:bodyPr>
-          <a:lstStyle>
-            <a:lvl1pPr marL="877888" indent="-877888" defTabSz="908050">
-              <a:defRPr sz="4000" b="1">
-                <a:solidFill>
-                  <a:srgbClr val="003399"/>
-                </a:solidFill>
-                <a:latin typeface="Arial" panose="020B0604020202020204" pitchFamily="34" charset="0"/>
-              </a:defRPr>
-            </a:lvl1pPr>
-            <a:lvl2pPr marL="742950" indent="-285750" defTabSz="908050">
-              <a:defRPr sz="4000" b="1">
-                <a:solidFill>
-                  <a:srgbClr val="003399"/>
-                </a:solidFill>
-                <a:latin typeface="Arial" panose="020B0604020202020204" pitchFamily="34" charset="0"/>
-              </a:defRPr>
-            </a:lvl2pPr>
-            <a:lvl3pPr marL="1143000" indent="-228600" defTabSz="908050">
-              <a:defRPr sz="4000" b="1">
-                <a:solidFill>
-                  <a:srgbClr val="003399"/>
-                </a:solidFill>
-                <a:latin typeface="Arial" panose="020B0604020202020204" pitchFamily="34" charset="0"/>
-              </a:defRPr>
-            </a:lvl3pPr>
-            <a:lvl4pPr marL="1600200" indent="-228600" defTabSz="908050">
-              <a:defRPr sz="4000" b="1">
-                <a:solidFill>
-                  <a:srgbClr val="003399"/>
-                </a:solidFill>
-                <a:latin typeface="Arial" panose="020B0604020202020204" pitchFamily="34" charset="0"/>
-              </a:defRPr>
-            </a:lvl4pPr>
-            <a:lvl5pPr marL="2057400" indent="-228600" defTabSz="908050">
-              <a:defRPr sz="4000" b="1">
-                <a:solidFill>
-                  <a:srgbClr val="003399"/>
-                </a:solidFill>
-                <a:latin typeface="Arial" panose="020B0604020202020204" pitchFamily="34" charset="0"/>
-              </a:defRPr>
-            </a:lvl5pPr>
-            <a:lvl6pPr marL="2514600" indent="-228600" defTabSz="908050" eaLnBrk="0" fontAlgn="base" hangingPunct="0">
-              <a:spcBef>
-                <a:spcPct val="0"/>
-              </a:spcBef>
-              <a:spcAft>
-                <a:spcPct val="0"/>
-              </a:spcAft>
-              <a:defRPr sz="4000" b="1">
-                <a:solidFill>
-                  <a:srgbClr val="003399"/>
-                </a:solidFill>
-                <a:latin typeface="Arial" panose="020B0604020202020204" pitchFamily="34" charset="0"/>
-              </a:defRPr>
-            </a:lvl6pPr>
-            <a:lvl7pPr marL="2971800" indent="-228600" defTabSz="908050" eaLnBrk="0" fontAlgn="base" hangingPunct="0">
-              <a:spcBef>
-                <a:spcPct val="0"/>
-              </a:spcBef>
-              <a:spcAft>
-                <a:spcPct val="0"/>
-              </a:spcAft>
-              <a:defRPr sz="4000" b="1">
-                <a:solidFill>
-                  <a:srgbClr val="003399"/>
-                </a:solidFill>
-                <a:latin typeface="Arial" panose="020B0604020202020204" pitchFamily="34" charset="0"/>
-              </a:defRPr>
-            </a:lvl7pPr>
-            <a:lvl8pPr marL="3429000" indent="-228600" defTabSz="908050" eaLnBrk="0" fontAlgn="base" hangingPunct="0">
-              <a:spcBef>
-                <a:spcPct val="0"/>
-              </a:spcBef>
-              <a:spcAft>
-                <a:spcPct val="0"/>
-              </a:spcAft>
-              <a:defRPr sz="4000" b="1">
-                <a:solidFill>
-                  <a:srgbClr val="003399"/>
-                </a:solidFill>
-                <a:latin typeface="Arial" panose="020B0604020202020204" pitchFamily="34" charset="0"/>
-              </a:defRPr>
-            </a:lvl8pPr>
-            <a:lvl9pPr marL="3886200" indent="-228600" defTabSz="908050" eaLnBrk="0" fontAlgn="base" hangingPunct="0">
-              <a:spcBef>
-                <a:spcPct val="0"/>
-              </a:spcBef>
-              <a:spcAft>
-                <a:spcPct val="0"/>
-              </a:spcAft>
-              <a:defRPr sz="4000" b="1">
-                <a:solidFill>
-                  <a:srgbClr val="003399"/>
-                </a:solidFill>
-                <a:latin typeface="Arial" panose="020B0604020202020204" pitchFamily="34" charset="0"/>
-              </a:defRPr>
-            </a:lvl9pPr>
-          </a:lstStyle>
-          <a:p>
-            <a:r>
-              <a:rPr lang="en-US" altLang="en-US" dirty="0">
-                <a:solidFill>
-                  <a:srgbClr val="000099"/>
-                </a:solidFill>
-                <a:latin typeface="Calibri" panose="020F0502020204030204" pitchFamily="34" charset="0"/>
-                <a:ea typeface="Calibri" panose="020F0502020204030204" pitchFamily="34" charset="0"/>
-                <a:cs typeface="Calibri" panose="020F0502020204030204" pitchFamily="34" charset="0"/>
-              </a:rPr>
-              <a:t>References </a:t>
-            </a:r>
-          </a:p>
-          <a:p>
-            <a:r>
-              <a:rPr lang="en-US" altLang="en-US" sz="3200" dirty="0">
-                <a:solidFill>
-                  <a:schemeClr val="tx1"/>
-                </a:solidFill>
-                <a:latin typeface="Calibri" panose="020F0502020204030204" pitchFamily="34" charset="0"/>
-                <a:ea typeface="Calibri" panose="020F0502020204030204" pitchFamily="34" charset="0"/>
-                <a:cs typeface="Calibri" panose="020F0502020204030204" pitchFamily="34" charset="0"/>
-              </a:rPr>
-              <a:t>Rein, H. Spiegel, D. </a:t>
-            </a:r>
-            <a:r>
-              <a:rPr lang="en-US" altLang="en-US" sz="3200" dirty="0">
-                <a:solidFill>
-                  <a:schemeClr val="tx1"/>
-                </a:solidFill>
-                <a:latin typeface="Calibri" panose="020F0502020204030204" pitchFamily="34" charset="0"/>
-                <a:ea typeface="Calibri" panose="020F0502020204030204" pitchFamily="34" charset="0"/>
-                <a:cs typeface="Calibri" panose="020F0502020204030204" pitchFamily="34" charset="0"/>
-              </a:rPr>
-              <a:t>IAS15: a fast, adaptive, high-order integrator for gravitational dynamics, accurate to machine precision over a billion orbits. MNRAS, Oct 2014.</a:t>
-            </a:r>
-            <a:endParaRPr lang="en-US" altLang="en-US" sz="3200" dirty="0">
-              <a:solidFill>
-                <a:schemeClr val="tx1"/>
-              </a:solidFill>
-              <a:latin typeface="Calibri" panose="020F0502020204030204" pitchFamily="34" charset="0"/>
-              <a:ea typeface="Calibri" panose="020F0502020204030204" pitchFamily="34" charset="0"/>
-              <a:cs typeface="Calibri" panose="020F0502020204030204" pitchFamily="34" charset="0"/>
-            </a:endParaRPr>
-          </a:p>
-          <a:p>
-            <a:pPr algn="just">
-              <a:spcBef>
-                <a:spcPts val="1763"/>
-              </a:spcBef>
-            </a:pPr>
-            <a:r>
-              <a:rPr lang="en-US" altLang="en-US" sz="3200" dirty="0">
-                <a:solidFill>
-                  <a:schemeClr val="tx1"/>
-                </a:solidFill>
-                <a:latin typeface="Calibri" panose="020F0502020204030204" pitchFamily="34" charset="0"/>
-                <a:ea typeface="Calibri" panose="020F0502020204030204" pitchFamily="34" charset="0"/>
-                <a:cs typeface="Calibri" panose="020F0502020204030204" pitchFamily="34" charset="0"/>
-              </a:rPr>
-              <a:t>Moore, T. A General Relativity Workbook. University Science Books, Sep 2012.</a:t>
-            </a:r>
-          </a:p>
-        </p:txBody>
-      </p:sp>
       <mc:AlternateContent xmlns:mc="http://schemas.openxmlformats.org/markup-compatibility/2006">
         <mc:Choice xmlns:a14="http://schemas.microsoft.com/office/drawing/2010/main" Requires="a14">
           <p:sp>
             <p:nvSpPr>
-              <p:cNvPr id="2071" name="Text Box 239"/>
+              <p:cNvPr id="2056" name="Text Box 7"/>
               <p:cNvSpPr txBox="1">
                 <a:spLocks noChangeArrowheads="1"/>
               </p:cNvSpPr>
@@ -6989,8 +5685,8 @@
             </p:nvSpPr>
             <p:spPr bwMode="auto">
               <a:xfrm>
-                <a:off x="209550" y="19184938"/>
-                <a:ext cx="12607925" cy="6829417"/>
+                <a:off x="26992536" y="4572000"/>
+                <a:ext cx="12601575" cy="13591973"/>
               </a:xfrm>
               <a:prstGeom prst="rect">
                 <a:avLst/>
@@ -7142,7 +5838,858 @@
                     <a:ea typeface="Calibri" panose="020F0502020204030204" pitchFamily="34" charset="0"/>
                     <a:cs typeface="Calibri" panose="020F0502020204030204" pitchFamily="34" charset="0"/>
                   </a:rPr>
-                  <a:t>Schwarzschild Method</a:t>
+                  <a:t>Comparing the three</a:t>
+                </a:r>
+              </a:p>
+              <a:p>
+                <a:pPr algn="just">
+                  <a:spcBef>
+                    <a:spcPts val="2538"/>
+                  </a:spcBef>
+                </a:pPr>
+                <a:r>
+                  <a:rPr lang="en-US" altLang="en-US" dirty="0">
+                    <a:solidFill>
+                      <a:schemeClr val="tx1"/>
+                    </a:solidFill>
+                    <a:latin typeface="Calibri" panose="020F0502020204030204" pitchFamily="34" charset="0"/>
+                    <a:ea typeface="Calibri" panose="020F0502020204030204" pitchFamily="34" charset="0"/>
+                    <a:cs typeface="Calibri" panose="020F0502020204030204" pitchFamily="34" charset="0"/>
+                  </a:rPr>
+                  <a:t>	All three methods were compared by finding if they accurately modeled the aphelion and perihelion of Mercury by looking for the maximum and minimum radius.</a:t>
+                </a:r>
+              </a:p>
+              <a:p>
+                <a:pPr algn="just">
+                  <a:spcBef>
+                    <a:spcPts val="2538"/>
+                  </a:spcBef>
+                </a:pPr>
+                <a:r>
+                  <a:rPr lang="en-US" altLang="en-US" dirty="0">
+                    <a:solidFill>
+                      <a:schemeClr val="tx1"/>
+                    </a:solidFill>
+                    <a:latin typeface="Calibri" panose="020F0502020204030204" pitchFamily="34" charset="0"/>
+                    <a:ea typeface="Calibri" panose="020F0502020204030204" pitchFamily="34" charset="0"/>
+                    <a:cs typeface="Calibri" panose="020F0502020204030204" pitchFamily="34" charset="0"/>
+                  </a:rPr>
+                  <a:t>	The </a:t>
+                </a:r>
+                <a:r>
+                  <a:rPr lang="en-US" altLang="en-US" dirty="0" err="1">
+                    <a:solidFill>
+                      <a:schemeClr val="tx1"/>
+                    </a:solidFill>
+                    <a:latin typeface="Calibri" panose="020F0502020204030204" pitchFamily="34" charset="0"/>
+                    <a:ea typeface="Calibri" panose="020F0502020204030204" pitchFamily="34" charset="0"/>
+                    <a:cs typeface="Calibri" panose="020F0502020204030204" pitchFamily="34" charset="0"/>
+                  </a:rPr>
+                  <a:t>ODEint</a:t>
+                </a:r>
+                <a:r>
+                  <a:rPr lang="en-US" altLang="en-US" dirty="0">
+                    <a:solidFill>
+                      <a:schemeClr val="tx1"/>
+                    </a:solidFill>
+                    <a:latin typeface="Calibri" panose="020F0502020204030204" pitchFamily="34" charset="0"/>
+                    <a:ea typeface="Calibri" panose="020F0502020204030204" pitchFamily="34" charset="0"/>
+                    <a:cs typeface="Calibri" panose="020F0502020204030204" pitchFamily="34" charset="0"/>
+                  </a:rPr>
+                  <a:t> and step methods both fail to produce an elliptical orbit.  This is quite probably due to an error in the code, however several methods of solving this issue were attempted. The </a:t>
+                </a:r>
+                <a:r>
+                  <a:rPr lang="en-US" altLang="en-US" dirty="0" err="1">
+                    <a:solidFill>
+                      <a:schemeClr val="tx1"/>
+                    </a:solidFill>
+                    <a:latin typeface="Calibri" panose="020F0502020204030204" pitchFamily="34" charset="0"/>
+                    <a:ea typeface="Calibri" panose="020F0502020204030204" pitchFamily="34" charset="0"/>
+                    <a:cs typeface="Calibri" panose="020F0502020204030204" pitchFamily="34" charset="0"/>
+                  </a:rPr>
+                  <a:t>ODEint</a:t>
+                </a:r>
+                <a:r>
+                  <a:rPr lang="en-US" altLang="en-US" dirty="0">
+                    <a:solidFill>
+                      <a:schemeClr val="tx1"/>
+                    </a:solidFill>
+                    <a:latin typeface="Calibri" panose="020F0502020204030204" pitchFamily="34" charset="0"/>
+                    <a:ea typeface="Calibri" panose="020F0502020204030204" pitchFamily="34" charset="0"/>
+                    <a:cs typeface="Calibri" panose="020F0502020204030204" pitchFamily="34" charset="0"/>
+                  </a:rPr>
+                  <a:t> call can take a very long time to calculate the integral of a long time series.  The step method is also highly sensitive to step size, with an error of </a:t>
+                </a:r>
+                <a14:m>
+                  <m:oMath xmlns:m="http://schemas.openxmlformats.org/officeDocument/2006/math">
+                    <m:r>
+                      <a:rPr lang="en-US" altLang="en-US" i="1">
+                        <a:solidFill>
+                          <a:schemeClr val="tx1"/>
+                        </a:solidFill>
+                        <a:latin typeface="Cambria Math" panose="02040503050406030204" pitchFamily="18" charset="0"/>
+                        <a:ea typeface="Cambria Math" panose="02040503050406030204" pitchFamily="18" charset="0"/>
+                        <a:cs typeface="Calibri" panose="020F0502020204030204" pitchFamily="34" charset="0"/>
+                      </a:rPr>
+                      <m:t>𝓞</m:t>
+                    </m:r>
+                    <m:r>
+                      <a:rPr lang="en-US" altLang="en-US" i="1">
+                        <a:solidFill>
+                          <a:schemeClr val="tx1"/>
+                        </a:solidFill>
+                        <a:latin typeface="Cambria Math" panose="02040503050406030204" pitchFamily="18" charset="0"/>
+                        <a:ea typeface="Cambria Math" panose="02040503050406030204" pitchFamily="18" charset="0"/>
+                        <a:cs typeface="Calibri" panose="020F0502020204030204" pitchFamily="34" charset="0"/>
+                      </a:rPr>
+                      <m:t>(</m:t>
+                    </m:r>
+                    <m:r>
+                      <a:rPr lang="en-US" altLang="en-US" i="1">
+                        <a:solidFill>
+                          <a:schemeClr val="tx1"/>
+                        </a:solidFill>
+                        <a:latin typeface="Cambria Math" panose="02040503050406030204" pitchFamily="18" charset="0"/>
+                        <a:ea typeface="Cambria Math" panose="02040503050406030204" pitchFamily="18" charset="0"/>
+                        <a:cs typeface="Calibri" panose="020F0502020204030204" pitchFamily="34" charset="0"/>
+                      </a:rPr>
+                      <m:t>𝚫</m:t>
+                    </m:r>
+                    <m:sSup>
+                      <m:sSupPr>
+                        <m:ctrlPr>
+                          <a:rPr lang="en-US" altLang="en-US" i="1">
+                            <a:solidFill>
+                              <a:schemeClr val="tx1"/>
+                            </a:solidFill>
+                            <a:latin typeface="Cambria Math" panose="02040503050406030204" pitchFamily="18" charset="0"/>
+                            <a:ea typeface="Cambria Math" panose="02040503050406030204" pitchFamily="18" charset="0"/>
+                            <a:cs typeface="Calibri" panose="020F0502020204030204" pitchFamily="34" charset="0"/>
+                          </a:rPr>
+                        </m:ctrlPr>
+                      </m:sSupPr>
+                      <m:e>
+                        <m:r>
+                          <a:rPr lang="en-US" altLang="en-US" i="1">
+                            <a:solidFill>
+                              <a:schemeClr val="tx1"/>
+                            </a:solidFill>
+                            <a:latin typeface="Cambria Math" panose="02040503050406030204" pitchFamily="18" charset="0"/>
+                            <a:ea typeface="Cambria Math" panose="02040503050406030204" pitchFamily="18" charset="0"/>
+                            <a:cs typeface="Calibri" panose="020F0502020204030204" pitchFamily="34" charset="0"/>
+                          </a:rPr>
+                          <m:t>𝝉</m:t>
+                        </m:r>
+                      </m:e>
+                      <m:sup>
+                        <m:r>
+                          <a:rPr lang="en-US" altLang="en-US" i="1">
+                            <a:solidFill>
+                              <a:schemeClr val="tx1"/>
+                            </a:solidFill>
+                            <a:latin typeface="Cambria Math" panose="02040503050406030204" pitchFamily="18" charset="0"/>
+                            <a:ea typeface="Cambria Math" panose="02040503050406030204" pitchFamily="18" charset="0"/>
+                            <a:cs typeface="Calibri" panose="020F0502020204030204" pitchFamily="34" charset="0"/>
+                          </a:rPr>
+                          <m:t>𝟒</m:t>
+                        </m:r>
+                      </m:sup>
+                    </m:sSup>
+                    <m:r>
+                      <a:rPr lang="en-US" altLang="en-US" i="1">
+                        <a:solidFill>
+                          <a:schemeClr val="tx1"/>
+                        </a:solidFill>
+                        <a:latin typeface="Cambria Math" panose="02040503050406030204" pitchFamily="18" charset="0"/>
+                        <a:ea typeface="Cambria Math" panose="02040503050406030204" pitchFamily="18" charset="0"/>
+                        <a:cs typeface="Calibri" panose="020F0502020204030204" pitchFamily="34" charset="0"/>
+                      </a:rPr>
+                      <m:t>)</m:t>
+                    </m:r>
+                  </m:oMath>
+                </a14:m>
+                <a:r>
+                  <a:rPr lang="en-US" altLang="en-US" dirty="0">
+                    <a:solidFill>
+                      <a:schemeClr val="tx1"/>
+                    </a:solidFill>
+                    <a:latin typeface="Calibri" panose="020F0502020204030204" pitchFamily="34" charset="0"/>
+                    <a:ea typeface="Calibri" panose="020F0502020204030204" pitchFamily="34" charset="0"/>
+                    <a:cs typeface="Calibri" panose="020F0502020204030204" pitchFamily="34" charset="0"/>
+                  </a:rPr>
+                  <a:t> and is prone to long run times when using the small step sizes necessary to avoid compounding errors.</a:t>
+                </a:r>
+              </a:p>
+              <a:p>
+                <a:pPr algn="just">
+                  <a:spcBef>
+                    <a:spcPts val="2538"/>
+                  </a:spcBef>
+                </a:pPr>
+                <a:r>
+                  <a:rPr lang="en-US" altLang="en-US" dirty="0">
+                    <a:solidFill>
+                      <a:schemeClr val="tx1"/>
+                    </a:solidFill>
+                    <a:latin typeface="Calibri" panose="020F0502020204030204" pitchFamily="34" charset="0"/>
+                    <a:ea typeface="Calibri" panose="020F0502020204030204" pitchFamily="34" charset="0"/>
+                    <a:cs typeface="Calibri" panose="020F0502020204030204" pitchFamily="34" charset="0"/>
+                  </a:rPr>
+                  <a:t>	The perturbation method produces a properly elliptical orbit with an accurate perihelion and aphelion.  It is also the fastest method of those tested, able to calculate thousands of orbits in a very short time.  The downside is that this model is the most disconnected from the physics of the situation.</a:t>
+                </a:r>
+                <a:endParaRPr lang="en-US" altLang="en-US" dirty="0">
+                  <a:latin typeface="Calibri" panose="020F0502020204030204" pitchFamily="34" charset="0"/>
+                  <a:ea typeface="Calibri" panose="020F0502020204030204" pitchFamily="34" charset="0"/>
+                  <a:cs typeface="Calibri" panose="020F0502020204030204" pitchFamily="34" charset="0"/>
+                </a:endParaRPr>
+              </a:p>
+            </p:txBody>
+          </p:sp>
+        </mc:Choice>
+        <mc:Fallback>
+          <p:sp>
+            <p:nvSpPr>
+              <p:cNvPr id="2056" name="Text Box 7"/>
+              <p:cNvSpPr txBox="1">
+                <a:spLocks noRot="1" noChangeAspect="1" noMove="1" noResize="1" noEditPoints="1" noAdjustHandles="1" noChangeArrowheads="1" noChangeShapeType="1" noTextEdit="1"/>
+              </p:cNvSpPr>
+              <p:nvPr/>
+            </p:nvSpPr>
+            <p:spPr bwMode="auto">
+              <a:xfrm>
+                <a:off x="26992536" y="4572000"/>
+                <a:ext cx="12601575" cy="13591973"/>
+              </a:xfrm>
+              <a:prstGeom prst="rect">
+                <a:avLst/>
+              </a:prstGeom>
+              <a:blipFill>
+                <a:blip r:embed="rId4"/>
+                <a:stretch>
+                  <a:fillRect t="-1256" b="-942"/>
+                </a:stretch>
+              </a:blipFill>
+              <a:ln>
+                <a:noFill/>
+              </a:ln>
+              <a:effectLst/>
+              <a:extLst>
+                <a:ext uri="{909E8E84-426E-40DD-AFC4-6F175D3DCCD1}">
+                  <a14:hiddenFill xmlns:a14="http://schemas.microsoft.com/office/drawing/2010/main">
+                    <a:solidFill>
+                      <a:schemeClr val="accent1"/>
+                    </a:solidFill>
+                  </a14:hiddenFill>
+                </a:ext>
+                <a:ext uri="{91240B29-F687-4F45-9708-019B960494DF}">
+                  <a14:hiddenLine xmlns:a14="http://schemas.microsoft.com/office/drawing/2010/main" w="9525">
+                    <a:solidFill>
+                      <a:schemeClr val="tx1"/>
+                    </a:solidFill>
+                    <a:miter lim="800000"/>
+                    <a:headEnd/>
+                    <a:tailEnd/>
+                  </a14:hiddenLine>
+                </a:ext>
+                <a:ext uri="{AF507438-7753-43E0-B8FC-AC1667EBCBE1}">
+                  <a14:hiddenEffects xmlns:a14="http://schemas.microsoft.com/office/drawing/2010/main">
+                    <a:effectLst>
+                      <a:outerShdw dist="35921" dir="2700000" algn="ctr" rotWithShape="0">
+                        <a:schemeClr val="bg2"/>
+                      </a:outerShdw>
+                    </a:effectLst>
+                  </a14:hiddenEffects>
+                </a:ext>
+              </a:extLst>
+            </p:spPr>
+            <p:txBody>
+              <a:bodyPr/>
+              <a:lstStyle/>
+              <a:p>
+                <a:r>
+                  <a:rPr lang="en-US">
+                    <a:noFill/>
+                  </a:rPr>
+                  <a:t> </a:t>
+                </a:r>
+              </a:p>
+            </p:txBody>
+          </p:sp>
+        </mc:Fallback>
+      </mc:AlternateContent>
+      <p:sp>
+        <p:nvSpPr>
+          <p:cNvPr id="2066" name="Text Box 233"/>
+          <p:cNvSpPr txBox="1">
+            <a:spLocks noChangeArrowheads="1"/>
+          </p:cNvSpPr>
+          <p:nvPr/>
+        </p:nvSpPr>
+        <p:spPr bwMode="auto">
+          <a:xfrm>
+            <a:off x="27156048" y="18074102"/>
+            <a:ext cx="12274550" cy="8334700"/>
+          </a:xfrm>
+          <a:prstGeom prst="rect">
+            <a:avLst/>
+          </a:prstGeom>
+          <a:noFill/>
+          <a:ln>
+            <a:noFill/>
+          </a:ln>
+          <a:effectLst/>
+          <a:extLst>
+            <a:ext uri="{909E8E84-426E-40DD-AFC4-6F175D3DCCD1}">
+              <a14:hiddenFill xmlns:a14="http://schemas.microsoft.com/office/drawing/2010/main">
+                <a:solidFill>
+                  <a:schemeClr val="accent1"/>
+                </a:solidFill>
+              </a14:hiddenFill>
+            </a:ext>
+            <a:ext uri="{91240B29-F687-4F45-9708-019B960494DF}">
+              <a14:hiddenLine xmlns:a14="http://schemas.microsoft.com/office/drawing/2010/main" w="9525">
+                <a:solidFill>
+                  <a:schemeClr val="tx1"/>
+                </a:solidFill>
+                <a:miter lim="800000"/>
+                <a:headEnd/>
+                <a:tailEnd/>
+              </a14:hiddenLine>
+            </a:ext>
+            <a:ext uri="{AF507438-7753-43E0-B8FC-AC1667EBCBE1}">
+              <a14:hiddenEffects xmlns:a14="http://schemas.microsoft.com/office/drawing/2010/main">
+                <a:effectLst>
+                  <a:outerShdw dist="35921" dir="2700000" algn="ctr" rotWithShape="0">
+                    <a:schemeClr val="bg2"/>
+                  </a:outerShdw>
+                </a:effectLst>
+              </a14:hiddenEffects>
+            </a:ext>
+          </a:extLst>
+        </p:spPr>
+        <p:txBody>
+          <a:bodyPr lIns="457200" tIns="45267" rIns="457200" bIns="45267">
+            <a:spAutoFit/>
+          </a:bodyPr>
+          <a:lstStyle>
+            <a:lvl1pPr defTabSz="908050">
+              <a:defRPr sz="4000" b="1">
+                <a:solidFill>
+                  <a:srgbClr val="003399"/>
+                </a:solidFill>
+                <a:latin typeface="Arial" panose="020B0604020202020204" pitchFamily="34" charset="0"/>
+              </a:defRPr>
+            </a:lvl1pPr>
+            <a:lvl2pPr marL="742950" indent="-285750" defTabSz="908050">
+              <a:defRPr sz="4000" b="1">
+                <a:solidFill>
+                  <a:srgbClr val="003399"/>
+                </a:solidFill>
+                <a:latin typeface="Arial" panose="020B0604020202020204" pitchFamily="34" charset="0"/>
+              </a:defRPr>
+            </a:lvl2pPr>
+            <a:lvl3pPr marL="1143000" indent="-228600" defTabSz="908050">
+              <a:defRPr sz="4000" b="1">
+                <a:solidFill>
+                  <a:srgbClr val="003399"/>
+                </a:solidFill>
+                <a:latin typeface="Arial" panose="020B0604020202020204" pitchFamily="34" charset="0"/>
+              </a:defRPr>
+            </a:lvl3pPr>
+            <a:lvl4pPr marL="1600200" indent="-228600" defTabSz="908050">
+              <a:defRPr sz="4000" b="1">
+                <a:solidFill>
+                  <a:srgbClr val="003399"/>
+                </a:solidFill>
+                <a:latin typeface="Arial" panose="020B0604020202020204" pitchFamily="34" charset="0"/>
+              </a:defRPr>
+            </a:lvl4pPr>
+            <a:lvl5pPr marL="2057400" indent="-228600" defTabSz="908050">
+              <a:defRPr sz="4000" b="1">
+                <a:solidFill>
+                  <a:srgbClr val="003399"/>
+                </a:solidFill>
+                <a:latin typeface="Arial" panose="020B0604020202020204" pitchFamily="34" charset="0"/>
+              </a:defRPr>
+            </a:lvl5pPr>
+            <a:lvl6pPr marL="2514600" indent="-228600" defTabSz="908050" eaLnBrk="0" fontAlgn="base" hangingPunct="0">
+              <a:spcBef>
+                <a:spcPct val="0"/>
+              </a:spcBef>
+              <a:spcAft>
+                <a:spcPct val="0"/>
+              </a:spcAft>
+              <a:defRPr sz="4000" b="1">
+                <a:solidFill>
+                  <a:srgbClr val="003399"/>
+                </a:solidFill>
+                <a:latin typeface="Arial" panose="020B0604020202020204" pitchFamily="34" charset="0"/>
+              </a:defRPr>
+            </a:lvl6pPr>
+            <a:lvl7pPr marL="2971800" indent="-228600" defTabSz="908050" eaLnBrk="0" fontAlgn="base" hangingPunct="0">
+              <a:spcBef>
+                <a:spcPct val="0"/>
+              </a:spcBef>
+              <a:spcAft>
+                <a:spcPct val="0"/>
+              </a:spcAft>
+              <a:defRPr sz="4000" b="1">
+                <a:solidFill>
+                  <a:srgbClr val="003399"/>
+                </a:solidFill>
+                <a:latin typeface="Arial" panose="020B0604020202020204" pitchFamily="34" charset="0"/>
+              </a:defRPr>
+            </a:lvl7pPr>
+            <a:lvl8pPr marL="3429000" indent="-228600" defTabSz="908050" eaLnBrk="0" fontAlgn="base" hangingPunct="0">
+              <a:spcBef>
+                <a:spcPct val="0"/>
+              </a:spcBef>
+              <a:spcAft>
+                <a:spcPct val="0"/>
+              </a:spcAft>
+              <a:defRPr sz="4000" b="1">
+                <a:solidFill>
+                  <a:srgbClr val="003399"/>
+                </a:solidFill>
+                <a:latin typeface="Arial" panose="020B0604020202020204" pitchFamily="34" charset="0"/>
+              </a:defRPr>
+            </a:lvl8pPr>
+            <a:lvl9pPr marL="3886200" indent="-228600" defTabSz="908050" eaLnBrk="0" fontAlgn="base" hangingPunct="0">
+              <a:spcBef>
+                <a:spcPct val="0"/>
+              </a:spcBef>
+              <a:spcAft>
+                <a:spcPct val="0"/>
+              </a:spcAft>
+              <a:defRPr sz="4000" b="1">
+                <a:solidFill>
+                  <a:srgbClr val="003399"/>
+                </a:solidFill>
+                <a:latin typeface="Arial" panose="020B0604020202020204" pitchFamily="34" charset="0"/>
+              </a:defRPr>
+            </a:lvl9pPr>
+          </a:lstStyle>
+          <a:p>
+            <a:pPr algn="just"/>
+            <a:r>
+              <a:rPr lang="en-US" altLang="en-US" sz="5400" dirty="0">
+                <a:solidFill>
+                  <a:srgbClr val="000099"/>
+                </a:solidFill>
+                <a:latin typeface="Calibri" panose="020F0502020204030204" pitchFamily="34" charset="0"/>
+                <a:ea typeface="Calibri" panose="020F0502020204030204" pitchFamily="34" charset="0"/>
+                <a:cs typeface="Calibri" panose="020F0502020204030204" pitchFamily="34" charset="0"/>
+              </a:rPr>
+              <a:t>Conclusion</a:t>
+            </a:r>
+          </a:p>
+          <a:p>
+            <a:pPr algn="just">
+              <a:spcBef>
+                <a:spcPts val="2538"/>
+              </a:spcBef>
+            </a:pPr>
+            <a:r>
+              <a:rPr lang="en-US" altLang="en-US" dirty="0">
+                <a:solidFill>
+                  <a:schemeClr val="tx1"/>
+                </a:solidFill>
+                <a:latin typeface="Calibri" panose="020F0502020204030204" pitchFamily="34" charset="0"/>
+                <a:ea typeface="Calibri" panose="020F0502020204030204" pitchFamily="34" charset="0"/>
+                <a:cs typeface="Calibri" panose="020F0502020204030204" pitchFamily="34" charset="0"/>
+              </a:rPr>
+              <a:t>	The main motivation for modeling the orbit of mercury using general relativity is to show the precession of Mercury’s orbit, however if we run the ODE or step methods over long enough time periods and with high enough resolution we will quickly run into limitations of memory and processing time.</a:t>
+            </a:r>
+          </a:p>
+          <a:p>
+            <a:pPr algn="just">
+              <a:spcBef>
+                <a:spcPts val="2538"/>
+              </a:spcBef>
+            </a:pPr>
+            <a:r>
+              <a:rPr lang="en-US" altLang="en-US" dirty="0">
+                <a:solidFill>
+                  <a:schemeClr val="tx1"/>
+                </a:solidFill>
+                <a:latin typeface="Calibri" panose="020F0502020204030204" pitchFamily="34" charset="0"/>
+                <a:ea typeface="Calibri" panose="020F0502020204030204" pitchFamily="34" charset="0"/>
+                <a:cs typeface="Calibri" panose="020F0502020204030204" pitchFamily="34" charset="0"/>
+              </a:rPr>
+              <a:t>	For long term modeling of Mercury’s orbit using Python new methods will need to be investigated, the most promising method is the IAS15 integrator built specifically to handle gravitational dynamics (Rein, Spiegel, 2014).</a:t>
+            </a:r>
+            <a:endParaRPr lang="en-US" altLang="en-US" dirty="0">
+              <a:latin typeface="Calibri" panose="020F0502020204030204" pitchFamily="34" charset="0"/>
+              <a:ea typeface="Calibri" panose="020F0502020204030204" pitchFamily="34" charset="0"/>
+              <a:cs typeface="Calibri" panose="020F0502020204030204" pitchFamily="34" charset="0"/>
+            </a:endParaRPr>
+          </a:p>
+        </p:txBody>
+      </p:sp>
+      <p:sp>
+        <p:nvSpPr>
+          <p:cNvPr id="2070" name="Text Box 238"/>
+          <p:cNvSpPr txBox="1">
+            <a:spLocks noChangeArrowheads="1"/>
+          </p:cNvSpPr>
+          <p:nvPr/>
+        </p:nvSpPr>
+        <p:spPr bwMode="auto">
+          <a:xfrm>
+            <a:off x="27498675" y="28522442"/>
+            <a:ext cx="12242800" cy="3400016"/>
+          </a:xfrm>
+          <a:prstGeom prst="rect">
+            <a:avLst/>
+          </a:prstGeom>
+          <a:noFill/>
+          <a:ln>
+            <a:noFill/>
+          </a:ln>
+          <a:effectLst/>
+          <a:extLst>
+            <a:ext uri="{909E8E84-426E-40DD-AFC4-6F175D3DCCD1}">
+              <a14:hiddenFill xmlns:a14="http://schemas.microsoft.com/office/drawing/2010/main">
+                <a:solidFill>
+                  <a:schemeClr val="accent1"/>
+                </a:solidFill>
+              </a14:hiddenFill>
+            </a:ext>
+            <a:ext uri="{91240B29-F687-4F45-9708-019B960494DF}">
+              <a14:hiddenLine xmlns:a14="http://schemas.microsoft.com/office/drawing/2010/main" w="9525">
+                <a:solidFill>
+                  <a:schemeClr val="tx1"/>
+                </a:solidFill>
+                <a:miter lim="800000"/>
+                <a:headEnd/>
+                <a:tailEnd/>
+              </a14:hiddenLine>
+            </a:ext>
+            <a:ext uri="{AF507438-7753-43E0-B8FC-AC1667EBCBE1}">
+              <a14:hiddenEffects xmlns:a14="http://schemas.microsoft.com/office/drawing/2010/main">
+                <a:effectLst>
+                  <a:outerShdw dist="35921" dir="2700000" algn="ctr" rotWithShape="0">
+                    <a:schemeClr val="bg2"/>
+                  </a:outerShdw>
+                </a:effectLst>
+              </a14:hiddenEffects>
+            </a:ext>
+          </a:extLst>
+        </p:spPr>
+        <p:txBody>
+          <a:bodyPr lIns="457200" tIns="45267" rIns="457200" bIns="45267">
+            <a:spAutoFit/>
+          </a:bodyPr>
+          <a:lstStyle>
+            <a:lvl1pPr marL="877888" indent="-877888" defTabSz="908050">
+              <a:defRPr sz="4000" b="1">
+                <a:solidFill>
+                  <a:srgbClr val="003399"/>
+                </a:solidFill>
+                <a:latin typeface="Arial" panose="020B0604020202020204" pitchFamily="34" charset="0"/>
+              </a:defRPr>
+            </a:lvl1pPr>
+            <a:lvl2pPr marL="742950" indent="-285750" defTabSz="908050">
+              <a:defRPr sz="4000" b="1">
+                <a:solidFill>
+                  <a:srgbClr val="003399"/>
+                </a:solidFill>
+                <a:latin typeface="Arial" panose="020B0604020202020204" pitchFamily="34" charset="0"/>
+              </a:defRPr>
+            </a:lvl2pPr>
+            <a:lvl3pPr marL="1143000" indent="-228600" defTabSz="908050">
+              <a:defRPr sz="4000" b="1">
+                <a:solidFill>
+                  <a:srgbClr val="003399"/>
+                </a:solidFill>
+                <a:latin typeface="Arial" panose="020B0604020202020204" pitchFamily="34" charset="0"/>
+              </a:defRPr>
+            </a:lvl3pPr>
+            <a:lvl4pPr marL="1600200" indent="-228600" defTabSz="908050">
+              <a:defRPr sz="4000" b="1">
+                <a:solidFill>
+                  <a:srgbClr val="003399"/>
+                </a:solidFill>
+                <a:latin typeface="Arial" panose="020B0604020202020204" pitchFamily="34" charset="0"/>
+              </a:defRPr>
+            </a:lvl4pPr>
+            <a:lvl5pPr marL="2057400" indent="-228600" defTabSz="908050">
+              <a:defRPr sz="4000" b="1">
+                <a:solidFill>
+                  <a:srgbClr val="003399"/>
+                </a:solidFill>
+                <a:latin typeface="Arial" panose="020B0604020202020204" pitchFamily="34" charset="0"/>
+              </a:defRPr>
+            </a:lvl5pPr>
+            <a:lvl6pPr marL="2514600" indent="-228600" defTabSz="908050" eaLnBrk="0" fontAlgn="base" hangingPunct="0">
+              <a:spcBef>
+                <a:spcPct val="0"/>
+              </a:spcBef>
+              <a:spcAft>
+                <a:spcPct val="0"/>
+              </a:spcAft>
+              <a:defRPr sz="4000" b="1">
+                <a:solidFill>
+                  <a:srgbClr val="003399"/>
+                </a:solidFill>
+                <a:latin typeface="Arial" panose="020B0604020202020204" pitchFamily="34" charset="0"/>
+              </a:defRPr>
+            </a:lvl6pPr>
+            <a:lvl7pPr marL="2971800" indent="-228600" defTabSz="908050" eaLnBrk="0" fontAlgn="base" hangingPunct="0">
+              <a:spcBef>
+                <a:spcPct val="0"/>
+              </a:spcBef>
+              <a:spcAft>
+                <a:spcPct val="0"/>
+              </a:spcAft>
+              <a:defRPr sz="4000" b="1">
+                <a:solidFill>
+                  <a:srgbClr val="003399"/>
+                </a:solidFill>
+                <a:latin typeface="Arial" panose="020B0604020202020204" pitchFamily="34" charset="0"/>
+              </a:defRPr>
+            </a:lvl7pPr>
+            <a:lvl8pPr marL="3429000" indent="-228600" defTabSz="908050" eaLnBrk="0" fontAlgn="base" hangingPunct="0">
+              <a:spcBef>
+                <a:spcPct val="0"/>
+              </a:spcBef>
+              <a:spcAft>
+                <a:spcPct val="0"/>
+              </a:spcAft>
+              <a:defRPr sz="4000" b="1">
+                <a:solidFill>
+                  <a:srgbClr val="003399"/>
+                </a:solidFill>
+                <a:latin typeface="Arial" panose="020B0604020202020204" pitchFamily="34" charset="0"/>
+              </a:defRPr>
+            </a:lvl8pPr>
+            <a:lvl9pPr marL="3886200" indent="-228600" defTabSz="908050" eaLnBrk="0" fontAlgn="base" hangingPunct="0">
+              <a:spcBef>
+                <a:spcPct val="0"/>
+              </a:spcBef>
+              <a:spcAft>
+                <a:spcPct val="0"/>
+              </a:spcAft>
+              <a:defRPr sz="4000" b="1">
+                <a:solidFill>
+                  <a:srgbClr val="003399"/>
+                </a:solidFill>
+                <a:latin typeface="Arial" panose="020B0604020202020204" pitchFamily="34" charset="0"/>
+              </a:defRPr>
+            </a:lvl9pPr>
+          </a:lstStyle>
+          <a:p>
+            <a:r>
+              <a:rPr lang="en-US" altLang="en-US" dirty="0">
+                <a:solidFill>
+                  <a:srgbClr val="000099"/>
+                </a:solidFill>
+                <a:latin typeface="Calibri" panose="020F0502020204030204" pitchFamily="34" charset="0"/>
+                <a:ea typeface="Calibri" panose="020F0502020204030204" pitchFamily="34" charset="0"/>
+                <a:cs typeface="Calibri" panose="020F0502020204030204" pitchFamily="34" charset="0"/>
+              </a:rPr>
+              <a:t>References </a:t>
+            </a:r>
+          </a:p>
+          <a:p>
+            <a:r>
+              <a:rPr lang="en-US" altLang="en-US" sz="3200" dirty="0">
+                <a:solidFill>
+                  <a:schemeClr val="tx1"/>
+                </a:solidFill>
+                <a:latin typeface="Calibri" panose="020F0502020204030204" pitchFamily="34" charset="0"/>
+                <a:ea typeface="Calibri" panose="020F0502020204030204" pitchFamily="34" charset="0"/>
+                <a:cs typeface="Calibri" panose="020F0502020204030204" pitchFamily="34" charset="0"/>
+              </a:rPr>
+              <a:t>Rein, H. Spiegel, D. IAS15: a fast, adaptive, high-order integrator for gravitational dynamics, accurate to machine precision over a billion orbits. MNRAS, Oct 2014.</a:t>
+            </a:r>
+          </a:p>
+          <a:p>
+            <a:pPr algn="just">
+              <a:spcBef>
+                <a:spcPts val="1763"/>
+              </a:spcBef>
+            </a:pPr>
+            <a:r>
+              <a:rPr lang="en-US" altLang="en-US" sz="3200" dirty="0">
+                <a:solidFill>
+                  <a:schemeClr val="tx1"/>
+                </a:solidFill>
+                <a:latin typeface="Calibri" panose="020F0502020204030204" pitchFamily="34" charset="0"/>
+                <a:ea typeface="Calibri" panose="020F0502020204030204" pitchFamily="34" charset="0"/>
+                <a:cs typeface="Calibri" panose="020F0502020204030204" pitchFamily="34" charset="0"/>
+              </a:rPr>
+              <a:t>Moore, T. A General Relativity Workbook. University Science Books, Sep 2012.</a:t>
+            </a:r>
+          </a:p>
+        </p:txBody>
+      </p:sp>
+      <mc:AlternateContent xmlns:mc="http://schemas.openxmlformats.org/markup-compatibility/2006">
+        <mc:Choice xmlns:a14="http://schemas.microsoft.com/office/drawing/2010/main" Requires="a14">
+          <p:sp>
+            <p:nvSpPr>
+              <p:cNvPr id="2071" name="Text Box 239"/>
+              <p:cNvSpPr txBox="1">
+                <a:spLocks noChangeArrowheads="1"/>
+              </p:cNvSpPr>
+              <p:nvPr/>
+            </p:nvSpPr>
+            <p:spPr bwMode="auto">
+              <a:xfrm>
+                <a:off x="216453" y="21415886"/>
+                <a:ext cx="12607925" cy="10636228"/>
+              </a:xfrm>
+              <a:prstGeom prst="rect">
+                <a:avLst/>
+              </a:prstGeom>
+              <a:noFill/>
+              <a:ln>
+                <a:noFill/>
+              </a:ln>
+              <a:effectLst/>
+              <a:extLst>
+                <a:ext uri="{909E8E84-426E-40DD-AFC4-6F175D3DCCD1}">
+                  <a14:hiddenFill>
+                    <a:solidFill>
+                      <a:schemeClr val="accent1"/>
+                    </a:solidFill>
+                  </a14:hiddenFill>
+                </a:ext>
+                <a:ext uri="{91240B29-F687-4F45-9708-019B960494DF}">
+                  <a14:hiddenLine w="9525">
+                    <a:solidFill>
+                      <a:schemeClr val="tx1"/>
+                    </a:solidFill>
+                    <a:miter lim="800000"/>
+                    <a:headEnd/>
+                    <a:tailEnd/>
+                  </a14:hiddenLine>
+                </a:ext>
+                <a:ext uri="{AF507438-7753-43E0-B8FC-AC1667EBCBE1}">
+                  <a14:hiddenEffects>
+                    <a:effectLst>
+                      <a:outerShdw dist="35921" dir="2700000" algn="ctr" rotWithShape="0">
+                        <a:schemeClr val="bg2"/>
+                      </a:outerShdw>
+                    </a:effectLst>
+                  </a14:hiddenEffects>
+                </a:ext>
+              </a:extLst>
+            </p:spPr>
+            <p:txBody>
+              <a:bodyPr lIns="457200" tIns="45267" rIns="457200" bIns="45267">
+                <a:spAutoFit/>
+              </a:bodyPr>
+              <a:lstStyle>
+                <a:lvl1pPr defTabSz="908050">
+                  <a:defRPr sz="4000" b="1">
+                    <a:solidFill>
+                      <a:srgbClr val="003399"/>
+                    </a:solidFill>
+                    <a:latin typeface="Arial" panose="020B0604020202020204" pitchFamily="34" charset="0"/>
+                  </a:defRPr>
+                </a:lvl1pPr>
+                <a:lvl2pPr marL="742950" indent="-285750" defTabSz="908050">
+                  <a:defRPr sz="4000" b="1">
+                    <a:solidFill>
+                      <a:srgbClr val="003399"/>
+                    </a:solidFill>
+                    <a:latin typeface="Arial" panose="020B0604020202020204" pitchFamily="34" charset="0"/>
+                  </a:defRPr>
+                </a:lvl2pPr>
+                <a:lvl3pPr marL="1143000" indent="-228600" defTabSz="908050">
+                  <a:defRPr sz="4000" b="1">
+                    <a:solidFill>
+                      <a:srgbClr val="003399"/>
+                    </a:solidFill>
+                    <a:latin typeface="Arial" panose="020B0604020202020204" pitchFamily="34" charset="0"/>
+                  </a:defRPr>
+                </a:lvl3pPr>
+                <a:lvl4pPr marL="1600200" indent="-228600" defTabSz="908050">
+                  <a:defRPr sz="4000" b="1">
+                    <a:solidFill>
+                      <a:srgbClr val="003399"/>
+                    </a:solidFill>
+                    <a:latin typeface="Arial" panose="020B0604020202020204" pitchFamily="34" charset="0"/>
+                  </a:defRPr>
+                </a:lvl4pPr>
+                <a:lvl5pPr marL="2057400" indent="-228600" defTabSz="908050">
+                  <a:defRPr sz="4000" b="1">
+                    <a:solidFill>
+                      <a:srgbClr val="003399"/>
+                    </a:solidFill>
+                    <a:latin typeface="Arial" panose="020B0604020202020204" pitchFamily="34" charset="0"/>
+                  </a:defRPr>
+                </a:lvl5pPr>
+                <a:lvl6pPr marL="2514600" indent="-228600" defTabSz="908050" eaLnBrk="0" fontAlgn="base" hangingPunct="0">
+                  <a:spcBef>
+                    <a:spcPct val="0"/>
+                  </a:spcBef>
+                  <a:spcAft>
+                    <a:spcPct val="0"/>
+                  </a:spcAft>
+                  <a:defRPr sz="4000" b="1">
+                    <a:solidFill>
+                      <a:srgbClr val="003399"/>
+                    </a:solidFill>
+                    <a:latin typeface="Arial" panose="020B0604020202020204" pitchFamily="34" charset="0"/>
+                  </a:defRPr>
+                </a:lvl6pPr>
+                <a:lvl7pPr marL="2971800" indent="-228600" defTabSz="908050" eaLnBrk="0" fontAlgn="base" hangingPunct="0">
+                  <a:spcBef>
+                    <a:spcPct val="0"/>
+                  </a:spcBef>
+                  <a:spcAft>
+                    <a:spcPct val="0"/>
+                  </a:spcAft>
+                  <a:defRPr sz="4000" b="1">
+                    <a:solidFill>
+                      <a:srgbClr val="003399"/>
+                    </a:solidFill>
+                    <a:latin typeface="Arial" panose="020B0604020202020204" pitchFamily="34" charset="0"/>
+                  </a:defRPr>
+                </a:lvl7pPr>
+                <a:lvl8pPr marL="3429000" indent="-228600" defTabSz="908050" eaLnBrk="0" fontAlgn="base" hangingPunct="0">
+                  <a:spcBef>
+                    <a:spcPct val="0"/>
+                  </a:spcBef>
+                  <a:spcAft>
+                    <a:spcPct val="0"/>
+                  </a:spcAft>
+                  <a:defRPr sz="4000" b="1">
+                    <a:solidFill>
+                      <a:srgbClr val="003399"/>
+                    </a:solidFill>
+                    <a:latin typeface="Arial" panose="020B0604020202020204" pitchFamily="34" charset="0"/>
+                  </a:defRPr>
+                </a:lvl8pPr>
+                <a:lvl9pPr marL="3886200" indent="-228600" defTabSz="908050" eaLnBrk="0" fontAlgn="base" hangingPunct="0">
+                  <a:spcBef>
+                    <a:spcPct val="0"/>
+                  </a:spcBef>
+                  <a:spcAft>
+                    <a:spcPct val="0"/>
+                  </a:spcAft>
+                  <a:defRPr sz="4000" b="1">
+                    <a:solidFill>
+                      <a:srgbClr val="003399"/>
+                    </a:solidFill>
+                    <a:latin typeface="Arial" panose="020B0604020202020204" pitchFamily="34" charset="0"/>
+                  </a:defRPr>
+                </a:lvl9pPr>
+              </a:lstStyle>
+              <a:p>
+                <a:pPr algn="just"/>
+                <a:r>
+                  <a:rPr lang="en-US" altLang="en-US" sz="5400" dirty="0">
+                    <a:solidFill>
+                      <a:srgbClr val="000099"/>
+                    </a:solidFill>
+                    <a:latin typeface="Calibri" panose="020F0502020204030204" pitchFamily="34" charset="0"/>
+                    <a:ea typeface="Calibri" panose="020F0502020204030204" pitchFamily="34" charset="0"/>
+                    <a:cs typeface="Calibri" panose="020F0502020204030204" pitchFamily="34" charset="0"/>
+                  </a:rPr>
+                  <a:t>Schwarzschild Metric</a:t>
                 </a:r>
               </a:p>
               <a:p>
@@ -7171,23 +6718,8 @@
                     <a:ea typeface="Calibri" panose="020F0502020204030204" pitchFamily="34" charset="0"/>
                     <a:cs typeface="Calibri" panose="020F0502020204030204" pitchFamily="34" charset="0"/>
                   </a:rPr>
-                  <a:t>Starting with the Schwarzschild metric we</a:t>
+                  <a:t>The Schwarzschild metric is the metric used for spherical distributions of mass with small angular momentum and net charge. The equations of motion for the metric are given as:</a:t>
                 </a:r>
-              </a:p>
-              <a:p>
-                <a:pPr algn="just">
-                  <a:spcBef>
-                    <a:spcPts val="2538"/>
-                  </a:spcBef>
-                </a:pPr>
-                <a:endParaRPr lang="en-US" altLang="en-US" dirty="0">
-                  <a:solidFill>
-                    <a:schemeClr val="tx1"/>
-                  </a:solidFill>
-                  <a:latin typeface="Calibri" panose="020F0502020204030204" pitchFamily="34" charset="0"/>
-                  <a:ea typeface="Calibri" panose="020F0502020204030204" pitchFamily="34" charset="0"/>
-                  <a:cs typeface="Calibri" panose="020F0502020204030204" pitchFamily="34" charset="0"/>
-                </a:endParaRPr>
               </a:p>
               <a:p>
                 <a:pPr algn="ctr">
@@ -7310,16 +6842,43 @@
                         </m:ctrlPr>
                       </m:fPr>
                       <m:num>
-                        <m:r>
-                          <a:rPr lang="en-US" altLang="en-US" sz="5400" b="1" i="1" smtClean="0">
-                            <a:solidFill>
-                              <a:schemeClr val="tx1"/>
-                            </a:solidFill>
-                            <a:latin typeface="Cambria Math" panose="02040503050406030204" pitchFamily="18" charset="0"/>
-                            <a:ea typeface="Cambria Math" panose="02040503050406030204" pitchFamily="18" charset="0"/>
-                          </a:rPr>
-                          <m:t>𝓵</m:t>
-                        </m:r>
+                        <m:sSup>
+                          <m:sSupPr>
+                            <m:ctrlPr>
+                              <a:rPr lang="en-US" altLang="en-US" sz="5400" b="1" i="1" smtClean="0">
+                                <a:solidFill>
+                                  <a:schemeClr val="tx1"/>
+                                </a:solidFill>
+                                <a:latin typeface="Cambria Math" panose="02040503050406030204" pitchFamily="18" charset="0"/>
+                                <a:ea typeface="Cambria Math" panose="02040503050406030204" pitchFamily="18" charset="0"/>
+                              </a:rPr>
+                            </m:ctrlPr>
+                          </m:sSupPr>
+                          <m:e>
+                            <m:r>
+                              <a:rPr lang="en-US" altLang="en-US" sz="5400" b="1" i="1" smtClean="0">
+                                <a:solidFill>
+                                  <a:schemeClr val="tx1"/>
+                                </a:solidFill>
+                                <a:latin typeface="Cambria Math" panose="02040503050406030204" pitchFamily="18" charset="0"/>
+                                <a:ea typeface="Cambria Math" panose="02040503050406030204" pitchFamily="18" charset="0"/>
+                              </a:rPr>
+                              <m:t>𝓵</m:t>
+                            </m:r>
+                          </m:e>
+                          <m:sup>
+                            <m:r>
+                              <a:rPr lang="en-US" altLang="en-US" sz="5400" b="1" i="1" smtClean="0">
+                                <a:solidFill>
+                                  <a:schemeClr val="tx1"/>
+                                </a:solidFill>
+                                <a:latin typeface="Cambria Math" panose="02040503050406030204" pitchFamily="18" charset="0"/>
+                                <a:ea typeface="Cambria Math" panose="02040503050406030204" pitchFamily="18" charset="0"/>
+                              </a:rPr>
+                              <m:t>𝟐</m:t>
+                            </m:r>
+                          </m:sup>
+                        </m:sSup>
                       </m:num>
                       <m:den>
                         <m:sSup>
@@ -7583,11 +7142,35 @@
                     <a:spcPts val="2538"/>
                   </a:spcBef>
                 </a:pPr>
-                <a:endParaRPr lang="en-US" altLang="en-US" dirty="0">
-                  <a:latin typeface="Calibri" panose="020F0502020204030204" pitchFamily="34" charset="0"/>
-                  <a:ea typeface="Calibri" panose="020F0502020204030204" pitchFamily="34" charset="0"/>
-                  <a:cs typeface="Calibri" panose="020F0502020204030204" pitchFamily="34" charset="0"/>
-                </a:endParaRPr>
+                <a:r>
+                  <a:rPr lang="en-US" altLang="en-US" dirty="0">
+                    <a:solidFill>
+                      <a:schemeClr val="tx1"/>
+                    </a:solidFill>
+                    <a:latin typeface="Calibri" panose="020F0502020204030204" pitchFamily="34" charset="0"/>
+                    <a:ea typeface="Calibri" panose="020F0502020204030204" pitchFamily="34" charset="0"/>
+                    <a:cs typeface="Calibri" panose="020F0502020204030204" pitchFamily="34" charset="0"/>
+                  </a:rPr>
+                  <a:t>These equations of motion are not generalizable, as they only apply to objects of relatively little mass.</a:t>
+                </a:r>
+              </a:p>
+              <a:p>
+                <a:pPr algn="just">
+                  <a:spcBef>
+                    <a:spcPts val="2538"/>
+                  </a:spcBef>
+                </a:pPr>
+                <a:r>
+                  <a:rPr lang="en-US" altLang="en-US" dirty="0">
+                    <a:solidFill>
+                      <a:schemeClr val="tx1"/>
+                    </a:solidFill>
+                    <a:latin typeface="Calibri" panose="020F0502020204030204" pitchFamily="34" charset="0"/>
+                    <a:ea typeface="Calibri" panose="020F0502020204030204" pitchFamily="34" charset="0"/>
+                    <a:cs typeface="Calibri" panose="020F0502020204030204" pitchFamily="34" charset="0"/>
+                  </a:rPr>
+                  <a:t>We are motivated to use this metric over the simpler Newtonian one because it can explain the very small excess precession of Mercury’s orbit.</a:t>
+                </a:r>
               </a:p>
             </p:txBody>
           </p:sp>
@@ -7603,697 +7186,16 @@
             </p:nvSpPr>
             <p:spPr bwMode="auto">
               <a:xfrm>
-                <a:off x="209550" y="19184938"/>
-                <a:ext cx="12607925" cy="6829417"/>
+                <a:off x="216453" y="21415886"/>
+                <a:ext cx="12607925" cy="10636228"/>
               </a:xfrm>
               <a:prstGeom prst="rect">
                 <a:avLst/>
               </a:prstGeom>
               <a:blipFill>
-                <a:blip r:embed="rId3"/>
+                <a:blip r:embed="rId5"/>
                 <a:stretch>
-                  <a:fillRect t="-2500"/>
-                </a:stretch>
-              </a:blipFill>
-              <a:ln>
-                <a:noFill/>
-              </a:ln>
-              <a:effectLst/>
-              <a:extLst>
-                <a:ext uri="{909E8E84-426E-40DD-AFC4-6F175D3DCCD1}">
-                  <a14:hiddenFill xmlns:a14="http://schemas.microsoft.com/office/drawing/2010/main">
-                    <a:solidFill>
-                      <a:schemeClr val="accent1"/>
-                    </a:solidFill>
-                  </a14:hiddenFill>
-                </a:ext>
-                <a:ext uri="{91240B29-F687-4F45-9708-019B960494DF}">
-                  <a14:hiddenLine xmlns:a14="http://schemas.microsoft.com/office/drawing/2010/main" w="9525">
-                    <a:solidFill>
-                      <a:schemeClr val="tx1"/>
-                    </a:solidFill>
-                    <a:miter lim="800000"/>
-                    <a:headEnd/>
-                    <a:tailEnd/>
-                  </a14:hiddenLine>
-                </a:ext>
-                <a:ext uri="{AF507438-7753-43E0-B8FC-AC1667EBCBE1}">
-                  <a14:hiddenEffects xmlns:a14="http://schemas.microsoft.com/office/drawing/2010/main">
-                    <a:effectLst>
-                      <a:outerShdw dist="35921" dir="2700000" algn="ctr" rotWithShape="0">
-                        <a:schemeClr val="bg2"/>
-                      </a:outerShdw>
-                    </a:effectLst>
-                  </a14:hiddenEffects>
-                </a:ext>
-              </a:extLst>
-            </p:spPr>
-            <p:txBody>
-              <a:bodyPr/>
-              <a:lstStyle/>
-              <a:p>
-                <a:r>
-                  <a:rPr lang="en-US">
-                    <a:noFill/>
-                  </a:rPr>
-                  <a:t> </a:t>
-                </a:r>
-              </a:p>
-            </p:txBody>
-          </p:sp>
-        </mc:Fallback>
-      </mc:AlternateContent>
-      <p:sp>
-        <p:nvSpPr>
-          <p:cNvPr id="2072" name="Text Box 240"/>
-          <p:cNvSpPr txBox="1">
-            <a:spLocks noChangeArrowheads="1"/>
-          </p:cNvSpPr>
-          <p:nvPr/>
-        </p:nvSpPr>
-        <p:spPr bwMode="auto">
-          <a:xfrm>
-            <a:off x="34886900" y="2590800"/>
-            <a:ext cx="4854575" cy="823913"/>
-          </a:xfrm>
-          <a:prstGeom prst="rect">
-            <a:avLst/>
-          </a:prstGeom>
-          <a:noFill/>
-          <a:ln>
-            <a:noFill/>
-          </a:ln>
-          <a:effectLst/>
-          <a:extLst>
-            <a:ext uri="{909E8E84-426E-40DD-AFC4-6F175D3DCCD1}">
-              <a14:hiddenFill xmlns:a14="http://schemas.microsoft.com/office/drawing/2010/main">
-                <a:solidFill>
-                  <a:schemeClr val="accent1"/>
-                </a:solidFill>
-              </a14:hiddenFill>
-            </a:ext>
-            <a:ext uri="{91240B29-F687-4F45-9708-019B960494DF}">
-              <a14:hiddenLine xmlns:a14="http://schemas.microsoft.com/office/drawing/2010/main" w="9525">
-                <a:solidFill>
-                  <a:schemeClr val="tx1"/>
-                </a:solidFill>
-                <a:miter lim="800000"/>
-                <a:headEnd/>
-                <a:tailEnd/>
-              </a14:hiddenLine>
-            </a:ext>
-            <a:ext uri="{AF507438-7753-43E0-B8FC-AC1667EBCBE1}">
-              <a14:hiddenEffects xmlns:a14="http://schemas.microsoft.com/office/drawing/2010/main">
-                <a:effectLst>
-                  <a:outerShdw dist="35921" dir="2700000" algn="ctr" rotWithShape="0">
-                    <a:schemeClr val="bg2"/>
-                  </a:outerShdw>
-                </a:effectLst>
-              </a14:hiddenEffects>
-            </a:ext>
-          </a:extLst>
-        </p:spPr>
-        <p:txBody>
-          <a:bodyPr wrap="none" lIns="419070" tIns="41907" rIns="419070" bIns="41907">
-            <a:spAutoFit/>
-          </a:bodyPr>
-          <a:lstStyle>
-            <a:lvl1pPr defTabSz="908050">
-              <a:defRPr sz="4000" b="1">
-                <a:solidFill>
-                  <a:srgbClr val="003399"/>
-                </a:solidFill>
-                <a:latin typeface="Arial" panose="020B0604020202020204" pitchFamily="34" charset="0"/>
-              </a:defRPr>
-            </a:lvl1pPr>
-            <a:lvl2pPr marL="742950" indent="-285750" defTabSz="908050">
-              <a:defRPr sz="4000" b="1">
-                <a:solidFill>
-                  <a:srgbClr val="003399"/>
-                </a:solidFill>
-                <a:latin typeface="Arial" panose="020B0604020202020204" pitchFamily="34" charset="0"/>
-              </a:defRPr>
-            </a:lvl2pPr>
-            <a:lvl3pPr marL="1143000" indent="-228600" defTabSz="908050">
-              <a:defRPr sz="4000" b="1">
-                <a:solidFill>
-                  <a:srgbClr val="003399"/>
-                </a:solidFill>
-                <a:latin typeface="Arial" panose="020B0604020202020204" pitchFamily="34" charset="0"/>
-              </a:defRPr>
-            </a:lvl3pPr>
-            <a:lvl4pPr marL="1600200" indent="-228600" defTabSz="908050">
-              <a:defRPr sz="4000" b="1">
-                <a:solidFill>
-                  <a:srgbClr val="003399"/>
-                </a:solidFill>
-                <a:latin typeface="Arial" panose="020B0604020202020204" pitchFamily="34" charset="0"/>
-              </a:defRPr>
-            </a:lvl4pPr>
-            <a:lvl5pPr marL="2057400" indent="-228600" defTabSz="908050">
-              <a:defRPr sz="4000" b="1">
-                <a:solidFill>
-                  <a:srgbClr val="003399"/>
-                </a:solidFill>
-                <a:latin typeface="Arial" panose="020B0604020202020204" pitchFamily="34" charset="0"/>
-              </a:defRPr>
-            </a:lvl5pPr>
-            <a:lvl6pPr marL="2514600" indent="-228600" defTabSz="908050" eaLnBrk="0" fontAlgn="base" hangingPunct="0">
-              <a:spcBef>
-                <a:spcPct val="0"/>
-              </a:spcBef>
-              <a:spcAft>
-                <a:spcPct val="0"/>
-              </a:spcAft>
-              <a:defRPr sz="4000" b="1">
-                <a:solidFill>
-                  <a:srgbClr val="003399"/>
-                </a:solidFill>
-                <a:latin typeface="Arial" panose="020B0604020202020204" pitchFamily="34" charset="0"/>
-              </a:defRPr>
-            </a:lvl6pPr>
-            <a:lvl7pPr marL="2971800" indent="-228600" defTabSz="908050" eaLnBrk="0" fontAlgn="base" hangingPunct="0">
-              <a:spcBef>
-                <a:spcPct val="0"/>
-              </a:spcBef>
-              <a:spcAft>
-                <a:spcPct val="0"/>
-              </a:spcAft>
-              <a:defRPr sz="4000" b="1">
-                <a:solidFill>
-                  <a:srgbClr val="003399"/>
-                </a:solidFill>
-                <a:latin typeface="Arial" panose="020B0604020202020204" pitchFamily="34" charset="0"/>
-              </a:defRPr>
-            </a:lvl7pPr>
-            <a:lvl8pPr marL="3429000" indent="-228600" defTabSz="908050" eaLnBrk="0" fontAlgn="base" hangingPunct="0">
-              <a:spcBef>
-                <a:spcPct val="0"/>
-              </a:spcBef>
-              <a:spcAft>
-                <a:spcPct val="0"/>
-              </a:spcAft>
-              <a:defRPr sz="4000" b="1">
-                <a:solidFill>
-                  <a:srgbClr val="003399"/>
-                </a:solidFill>
-                <a:latin typeface="Arial" panose="020B0604020202020204" pitchFamily="34" charset="0"/>
-              </a:defRPr>
-            </a:lvl8pPr>
-            <a:lvl9pPr marL="3886200" indent="-228600" defTabSz="908050" eaLnBrk="0" fontAlgn="base" hangingPunct="0">
-              <a:spcBef>
-                <a:spcPct val="0"/>
-              </a:spcBef>
-              <a:spcAft>
-                <a:spcPct val="0"/>
-              </a:spcAft>
-              <a:defRPr sz="4000" b="1">
-                <a:solidFill>
-                  <a:srgbClr val="003399"/>
-                </a:solidFill>
-                <a:latin typeface="Arial" panose="020B0604020202020204" pitchFamily="34" charset="0"/>
-              </a:defRPr>
-            </a:lvl9pPr>
-          </a:lstStyle>
-          <a:p>
-            <a:pPr algn="r"/>
-            <a:r>
-              <a:rPr lang="en-US" altLang="en-US" sz="4800">
-                <a:solidFill>
-                  <a:schemeClr val="tx1"/>
-                </a:solidFill>
-                <a:latin typeface="Calibri" panose="020F0502020204030204" pitchFamily="34" charset="0"/>
-                <a:ea typeface="Calibri" panose="020F0502020204030204" pitchFamily="34" charset="0"/>
-                <a:cs typeface="Calibri" panose="020F0502020204030204" pitchFamily="34" charset="0"/>
-              </a:rPr>
-              <a:t>Institution Logo</a:t>
-            </a:r>
-          </a:p>
-        </p:txBody>
-      </p:sp>
-      <mc:AlternateContent xmlns:mc="http://schemas.openxmlformats.org/markup-compatibility/2006">
-        <mc:Choice xmlns:a14="http://schemas.microsoft.com/office/drawing/2010/main" Requires="a14">
-          <p:sp>
-            <p:nvSpPr>
-              <p:cNvPr id="25" name="Text Box 3"/>
-              <p:cNvSpPr txBox="1">
-                <a:spLocks noChangeArrowheads="1"/>
-              </p:cNvSpPr>
-              <p:nvPr/>
-            </p:nvSpPr>
-            <p:spPr bwMode="auto">
-              <a:xfrm>
-                <a:off x="200025" y="12459666"/>
-                <a:ext cx="12565063" cy="6413277"/>
-              </a:xfrm>
-              <a:prstGeom prst="rect">
-                <a:avLst/>
-              </a:prstGeom>
-              <a:noFill/>
-              <a:ln>
-                <a:noFill/>
-              </a:ln>
-              <a:effectLst/>
-              <a:extLst>
-                <a:ext uri="{909E8E84-426E-40DD-AFC4-6F175D3DCCD1}">
-                  <a14:hiddenFill>
-                    <a:solidFill>
-                      <a:schemeClr val="accent1"/>
-                    </a:solidFill>
-                  </a14:hiddenFill>
-                </a:ext>
-                <a:ext uri="{91240B29-F687-4F45-9708-019B960494DF}">
-                  <a14:hiddenLine w="9525">
-                    <a:solidFill>
-                      <a:schemeClr val="tx1"/>
-                    </a:solidFill>
-                    <a:miter lim="800000"/>
-                    <a:headEnd/>
-                    <a:tailEnd/>
-                  </a14:hiddenLine>
-                </a:ext>
-                <a:ext uri="{AF507438-7753-43E0-B8FC-AC1667EBCBE1}">
-                  <a14:hiddenEffects>
-                    <a:effectLst>
-                      <a:outerShdw dist="35921" dir="2700000" algn="ctr" rotWithShape="0">
-                        <a:schemeClr val="bg2"/>
-                      </a:outerShdw>
-                    </a:effectLst>
-                  </a14:hiddenEffects>
-                </a:ext>
-              </a:extLst>
-            </p:spPr>
-            <p:txBody>
-              <a:bodyPr lIns="457200" tIns="45267" rIns="419070" bIns="45267">
-                <a:spAutoFit/>
-              </a:bodyPr>
-              <a:lstStyle>
-                <a:lvl1pPr defTabSz="908050">
-                  <a:defRPr sz="4000" b="1">
-                    <a:solidFill>
-                      <a:srgbClr val="003399"/>
-                    </a:solidFill>
-                    <a:latin typeface="Arial" panose="020B0604020202020204" pitchFamily="34" charset="0"/>
-                  </a:defRPr>
-                </a:lvl1pPr>
-                <a:lvl2pPr marL="742950" indent="-285750" defTabSz="908050">
-                  <a:defRPr sz="4000" b="1">
-                    <a:solidFill>
-                      <a:srgbClr val="003399"/>
-                    </a:solidFill>
-                    <a:latin typeface="Arial" panose="020B0604020202020204" pitchFamily="34" charset="0"/>
-                  </a:defRPr>
-                </a:lvl2pPr>
-                <a:lvl3pPr marL="1143000" indent="-228600" defTabSz="908050">
-                  <a:defRPr sz="4000" b="1">
-                    <a:solidFill>
-                      <a:srgbClr val="003399"/>
-                    </a:solidFill>
-                    <a:latin typeface="Arial" panose="020B0604020202020204" pitchFamily="34" charset="0"/>
-                  </a:defRPr>
-                </a:lvl3pPr>
-                <a:lvl4pPr marL="1600200" indent="-228600" defTabSz="908050">
-                  <a:defRPr sz="4000" b="1">
-                    <a:solidFill>
-                      <a:srgbClr val="003399"/>
-                    </a:solidFill>
-                    <a:latin typeface="Arial" panose="020B0604020202020204" pitchFamily="34" charset="0"/>
-                  </a:defRPr>
-                </a:lvl4pPr>
-                <a:lvl5pPr marL="2057400" indent="-228600" defTabSz="908050">
-                  <a:defRPr sz="4000" b="1">
-                    <a:solidFill>
-                      <a:srgbClr val="003399"/>
-                    </a:solidFill>
-                    <a:latin typeface="Arial" panose="020B0604020202020204" pitchFamily="34" charset="0"/>
-                  </a:defRPr>
-                </a:lvl5pPr>
-                <a:lvl6pPr marL="2514600" indent="-228600" defTabSz="908050" eaLnBrk="0" fontAlgn="base" hangingPunct="0">
-                  <a:spcBef>
-                    <a:spcPct val="0"/>
-                  </a:spcBef>
-                  <a:spcAft>
-                    <a:spcPct val="0"/>
-                  </a:spcAft>
-                  <a:defRPr sz="4000" b="1">
-                    <a:solidFill>
-                      <a:srgbClr val="003399"/>
-                    </a:solidFill>
-                    <a:latin typeface="Arial" panose="020B0604020202020204" pitchFamily="34" charset="0"/>
-                  </a:defRPr>
-                </a:lvl6pPr>
-                <a:lvl7pPr marL="2971800" indent="-228600" defTabSz="908050" eaLnBrk="0" fontAlgn="base" hangingPunct="0">
-                  <a:spcBef>
-                    <a:spcPct val="0"/>
-                  </a:spcBef>
-                  <a:spcAft>
-                    <a:spcPct val="0"/>
-                  </a:spcAft>
-                  <a:defRPr sz="4000" b="1">
-                    <a:solidFill>
-                      <a:srgbClr val="003399"/>
-                    </a:solidFill>
-                    <a:latin typeface="Arial" panose="020B0604020202020204" pitchFamily="34" charset="0"/>
-                  </a:defRPr>
-                </a:lvl7pPr>
-                <a:lvl8pPr marL="3429000" indent="-228600" defTabSz="908050" eaLnBrk="0" fontAlgn="base" hangingPunct="0">
-                  <a:spcBef>
-                    <a:spcPct val="0"/>
-                  </a:spcBef>
-                  <a:spcAft>
-                    <a:spcPct val="0"/>
-                  </a:spcAft>
-                  <a:defRPr sz="4000" b="1">
-                    <a:solidFill>
-                      <a:srgbClr val="003399"/>
-                    </a:solidFill>
-                    <a:latin typeface="Arial" panose="020B0604020202020204" pitchFamily="34" charset="0"/>
-                  </a:defRPr>
-                </a:lvl8pPr>
-                <a:lvl9pPr marL="3886200" indent="-228600" defTabSz="908050" eaLnBrk="0" fontAlgn="base" hangingPunct="0">
-                  <a:spcBef>
-                    <a:spcPct val="0"/>
-                  </a:spcBef>
-                  <a:spcAft>
-                    <a:spcPct val="0"/>
-                  </a:spcAft>
-                  <a:defRPr sz="4000" b="1">
-                    <a:solidFill>
-                      <a:srgbClr val="003399"/>
-                    </a:solidFill>
-                    <a:latin typeface="Arial" panose="020B0604020202020204" pitchFamily="34" charset="0"/>
-                  </a:defRPr>
-                </a:lvl9pPr>
-              </a:lstStyle>
-              <a:p>
-                <a:pPr algn="just"/>
-                <a:r>
-                  <a:rPr lang="en-US" altLang="en-US" sz="5400" dirty="0">
-                    <a:solidFill>
-                      <a:srgbClr val="000099"/>
-                    </a:solidFill>
-                    <a:latin typeface="Calibri" panose="020F0502020204030204" pitchFamily="34" charset="0"/>
-                    <a:ea typeface="Calibri" panose="020F0502020204030204" pitchFamily="34" charset="0"/>
-                    <a:cs typeface="Calibri" panose="020F0502020204030204" pitchFamily="34" charset="0"/>
-                  </a:rPr>
-                  <a:t>Newtonian Method</a:t>
-                </a:r>
-              </a:p>
-              <a:p>
-                <a:pPr algn="just">
-                  <a:spcBef>
-                    <a:spcPts val="2538"/>
-                  </a:spcBef>
-                </a:pPr>
-                <a:r>
-                  <a:rPr lang="en-US" altLang="en-US" sz="3300" dirty="0">
-                    <a:solidFill>
-                      <a:schemeClr val="tx1"/>
-                    </a:solidFill>
-                    <a:latin typeface="Calibri" panose="020F0502020204030204" pitchFamily="34" charset="0"/>
-                    <a:ea typeface="Calibri" panose="020F0502020204030204" pitchFamily="34" charset="0"/>
-                    <a:cs typeface="Calibri" panose="020F0502020204030204" pitchFamily="34" charset="0"/>
-                  </a:rPr>
-                  <a:t>	</a:t>
-                </a:r>
-                <a:r>
-                  <a:rPr lang="en-US" altLang="en-US" dirty="0">
-                    <a:solidFill>
-                      <a:schemeClr val="tx1"/>
-                    </a:solidFill>
-                    <a:latin typeface="Calibri" panose="020F0502020204030204" pitchFamily="34" charset="0"/>
-                    <a:ea typeface="Calibri" panose="020F0502020204030204" pitchFamily="34" charset="0"/>
-                    <a:cs typeface="Calibri" panose="020F0502020204030204" pitchFamily="34" charset="0"/>
-                  </a:rPr>
-                  <a:t>The Newtonian equations of motion for the motion of a planet are straightforward.  They come from </a:t>
-                </a:r>
-              </a:p>
-              <a:p>
-                <a:pPr algn="just">
-                  <a:spcBef>
-                    <a:spcPts val="2538"/>
-                  </a:spcBef>
-                </a:pPr>
-                <a14:m>
-                  <m:oMathPara xmlns:m="http://schemas.openxmlformats.org/officeDocument/2006/math">
-                    <m:oMathParaPr>
-                      <m:jc m:val="centerGroup"/>
-                    </m:oMathParaPr>
-                    <m:oMath xmlns:m="http://schemas.openxmlformats.org/officeDocument/2006/math">
-                      <m:acc>
-                        <m:accPr>
-                          <m:chr m:val="̈"/>
-                          <m:ctrlPr>
-                            <a:rPr lang="en-US" altLang="en-US" sz="5400" i="1" smtClean="0">
-                              <a:solidFill>
-                                <a:schemeClr val="tx1"/>
-                              </a:solidFill>
-                              <a:latin typeface="Cambria Math" panose="02040503050406030204" pitchFamily="18" charset="0"/>
-                            </a:rPr>
-                          </m:ctrlPr>
-                        </m:accPr>
-                        <m:e>
-                          <m:r>
-                            <a:rPr lang="en-US" altLang="en-US" sz="5400" b="1" i="1" smtClean="0">
-                              <a:solidFill>
-                                <a:schemeClr val="tx1"/>
-                              </a:solidFill>
-                              <a:latin typeface="Cambria Math" panose="02040503050406030204" pitchFamily="18" charset="0"/>
-                            </a:rPr>
-                            <m:t>𝒓</m:t>
-                          </m:r>
-                        </m:e>
-                      </m:acc>
-                      <m:r>
-                        <a:rPr lang="en-US" altLang="en-US" sz="5400" b="1" i="1" smtClean="0">
-                          <a:solidFill>
-                            <a:schemeClr val="tx1"/>
-                          </a:solidFill>
-                          <a:latin typeface="Cambria Math" panose="02040503050406030204" pitchFamily="18" charset="0"/>
-                        </a:rPr>
-                        <m:t>=−</m:t>
-                      </m:r>
-                      <m:f>
-                        <m:fPr>
-                          <m:ctrlPr>
-                            <a:rPr lang="en-US" altLang="en-US" sz="5400" b="1" i="1" smtClean="0">
-                              <a:solidFill>
-                                <a:schemeClr val="tx1"/>
-                              </a:solidFill>
-                              <a:latin typeface="Cambria Math" panose="02040503050406030204" pitchFamily="18" charset="0"/>
-                            </a:rPr>
-                          </m:ctrlPr>
-                        </m:fPr>
-                        <m:num>
-                          <m:r>
-                            <a:rPr lang="en-US" altLang="en-US" sz="5400" b="1" i="1" smtClean="0">
-                              <a:solidFill>
-                                <a:schemeClr val="tx1"/>
-                              </a:solidFill>
-                              <a:latin typeface="Cambria Math" panose="02040503050406030204" pitchFamily="18" charset="0"/>
-                            </a:rPr>
-                            <m:t>𝑮𝑴</m:t>
-                          </m:r>
-                        </m:num>
-                        <m:den>
-                          <m:sSup>
-                            <m:sSupPr>
-                              <m:ctrlPr>
-                                <a:rPr lang="en-US" altLang="en-US" sz="5400" b="1" i="1" smtClean="0">
-                                  <a:solidFill>
-                                    <a:schemeClr val="tx1"/>
-                                  </a:solidFill>
-                                  <a:latin typeface="Cambria Math" panose="02040503050406030204" pitchFamily="18" charset="0"/>
-                                </a:rPr>
-                              </m:ctrlPr>
-                            </m:sSupPr>
-                            <m:e>
-                              <m:r>
-                                <a:rPr lang="en-US" altLang="en-US" sz="5400" b="1" i="1" smtClean="0">
-                                  <a:solidFill>
-                                    <a:schemeClr val="tx1"/>
-                                  </a:solidFill>
-                                  <a:latin typeface="Cambria Math" panose="02040503050406030204" pitchFamily="18" charset="0"/>
-                                </a:rPr>
-                                <m:t>𝒓</m:t>
-                              </m:r>
-                            </m:e>
-                            <m:sup>
-                              <m:r>
-                                <a:rPr lang="en-US" altLang="en-US" sz="5400" b="1" i="1" smtClean="0">
-                                  <a:solidFill>
-                                    <a:schemeClr val="tx1"/>
-                                  </a:solidFill>
-                                  <a:latin typeface="Cambria Math" panose="02040503050406030204" pitchFamily="18" charset="0"/>
-                                </a:rPr>
-                                <m:t>𝟐</m:t>
-                              </m:r>
-                            </m:sup>
-                          </m:sSup>
-                        </m:den>
-                      </m:f>
-                    </m:oMath>
-                  </m:oMathPara>
-                </a14:m>
-                <a:endParaRPr lang="en-US" altLang="en-US" sz="5400" dirty="0">
-                  <a:solidFill>
-                    <a:schemeClr val="tx1"/>
-                  </a:solidFill>
-                  <a:latin typeface="Calibri" panose="020F0502020204030204" pitchFamily="34" charset="0"/>
-                  <a:ea typeface="Calibri" panose="020F0502020204030204" pitchFamily="34" charset="0"/>
-                  <a:cs typeface="Calibri" panose="020F0502020204030204" pitchFamily="34" charset="0"/>
-                </a:endParaRPr>
-              </a:p>
-              <a:p>
-                <a:pPr algn="just">
-                  <a:spcBef>
-                    <a:spcPts val="2538"/>
-                  </a:spcBef>
-                </a:pPr>
-                <a14:m>
-                  <m:oMathPara xmlns:m="http://schemas.openxmlformats.org/officeDocument/2006/math">
-                    <m:oMathParaPr>
-                      <m:jc m:val="centerGroup"/>
-                    </m:oMathParaPr>
-                    <m:oMath xmlns:m="http://schemas.openxmlformats.org/officeDocument/2006/math">
-                      <m:acc>
-                        <m:accPr>
-                          <m:chr m:val="̈"/>
-                          <m:ctrlPr>
-                            <a:rPr lang="en-US" altLang="en-US" sz="5400" i="1" smtClean="0">
-                              <a:solidFill>
-                                <a:schemeClr val="tx1"/>
-                              </a:solidFill>
-                              <a:latin typeface="Cambria Math" panose="02040503050406030204" pitchFamily="18" charset="0"/>
-                            </a:rPr>
-                          </m:ctrlPr>
-                        </m:accPr>
-                        <m:e>
-                          <m:r>
-                            <a:rPr lang="en-US" altLang="en-US" sz="5400" i="1" smtClean="0">
-                              <a:solidFill>
-                                <a:schemeClr val="tx1"/>
-                              </a:solidFill>
-                              <a:latin typeface="Cambria Math" panose="02040503050406030204" pitchFamily="18" charset="0"/>
-                              <a:ea typeface="Cambria Math" panose="02040503050406030204" pitchFamily="18" charset="0"/>
-                            </a:rPr>
-                            <m:t>𝝓</m:t>
-                          </m:r>
-                        </m:e>
-                      </m:acc>
-                      <m:r>
-                        <a:rPr lang="en-US" altLang="en-US" sz="5400" b="1" i="1" smtClean="0">
-                          <a:solidFill>
-                            <a:schemeClr val="tx1"/>
-                          </a:solidFill>
-                          <a:latin typeface="Cambria Math" panose="02040503050406030204" pitchFamily="18" charset="0"/>
-                        </a:rPr>
-                        <m:t>=−</m:t>
-                      </m:r>
-                      <m:r>
-                        <a:rPr lang="en-US" altLang="en-US" sz="5400" b="1" i="1" smtClean="0">
-                          <a:solidFill>
-                            <a:schemeClr val="tx1"/>
-                          </a:solidFill>
-                          <a:latin typeface="Cambria Math" panose="02040503050406030204" pitchFamily="18" charset="0"/>
-                        </a:rPr>
-                        <m:t>𝟐</m:t>
-                      </m:r>
-                      <m:f>
-                        <m:fPr>
-                          <m:ctrlPr>
-                            <a:rPr lang="en-US" altLang="en-US" sz="5400" i="1" smtClean="0">
-                              <a:solidFill>
-                                <a:schemeClr val="tx1"/>
-                              </a:solidFill>
-                              <a:latin typeface="Cambria Math" panose="02040503050406030204" pitchFamily="18" charset="0"/>
-                            </a:rPr>
-                          </m:ctrlPr>
-                        </m:fPr>
-                        <m:num>
-                          <m:acc>
-                            <m:accPr>
-                              <m:chr m:val="̇"/>
-                              <m:ctrlPr>
-                                <a:rPr lang="en-US" altLang="en-US" sz="5400" i="1" smtClean="0">
-                                  <a:solidFill>
-                                    <a:schemeClr val="tx1"/>
-                                  </a:solidFill>
-                                  <a:latin typeface="Cambria Math" panose="02040503050406030204" pitchFamily="18" charset="0"/>
-                                </a:rPr>
-                              </m:ctrlPr>
-                            </m:accPr>
-                            <m:e>
-                              <m:r>
-                                <a:rPr lang="en-US" altLang="en-US" sz="5400" i="1" smtClean="0">
-                                  <a:solidFill>
-                                    <a:schemeClr val="tx1"/>
-                                  </a:solidFill>
-                                  <a:latin typeface="Cambria Math" panose="02040503050406030204" pitchFamily="18" charset="0"/>
-                                  <a:ea typeface="Cambria Math" panose="02040503050406030204" pitchFamily="18" charset="0"/>
-                                </a:rPr>
-                                <m:t>𝓵</m:t>
-                              </m:r>
-                            </m:e>
-                          </m:acc>
-                        </m:num>
-                        <m:den>
-                          <m:r>
-                            <a:rPr lang="en-US" altLang="en-US" sz="5400" b="1" i="1" smtClean="0">
-                              <a:solidFill>
-                                <a:schemeClr val="tx1"/>
-                              </a:solidFill>
-                              <a:latin typeface="Cambria Math" panose="02040503050406030204" pitchFamily="18" charset="0"/>
-                            </a:rPr>
-                            <m:t>𝒎</m:t>
-                          </m:r>
-                          <m:r>
-                            <a:rPr lang="en-US" altLang="en-US" sz="5400" b="1" i="1" smtClean="0">
-                              <a:solidFill>
-                                <a:schemeClr val="tx1"/>
-                              </a:solidFill>
-                              <a:latin typeface="Cambria Math" panose="02040503050406030204" pitchFamily="18" charset="0"/>
-                            </a:rPr>
-                            <m:t>𝒓</m:t>
-                          </m:r>
-                        </m:den>
-                      </m:f>
-                    </m:oMath>
-                  </m:oMathPara>
-                </a14:m>
-                <a:endParaRPr lang="en-US" altLang="en-US" sz="3300" dirty="0">
-                  <a:solidFill>
-                    <a:schemeClr val="tx1"/>
-                  </a:solidFill>
-                  <a:latin typeface="Calibri" panose="020F0502020204030204" pitchFamily="34" charset="0"/>
-                  <a:ea typeface="Calibri" panose="020F0502020204030204" pitchFamily="34" charset="0"/>
-                  <a:cs typeface="Calibri" panose="020F0502020204030204" pitchFamily="34" charset="0"/>
-                </a:endParaRPr>
-              </a:p>
-            </p:txBody>
-          </p:sp>
-        </mc:Choice>
-        <mc:Fallback>
-          <p:sp>
-            <p:nvSpPr>
-              <p:cNvPr id="25" name="Text Box 3"/>
-              <p:cNvSpPr txBox="1">
-                <a:spLocks noRot="1" noChangeAspect="1" noMove="1" noResize="1" noEditPoints="1" noAdjustHandles="1" noChangeArrowheads="1" noChangeShapeType="1" noTextEdit="1"/>
-              </p:cNvSpPr>
-              <p:nvPr/>
-            </p:nvSpPr>
-            <p:spPr bwMode="auto">
-              <a:xfrm>
-                <a:off x="200025" y="12459666"/>
-                <a:ext cx="12565063" cy="6413277"/>
-              </a:xfrm>
-              <a:prstGeom prst="rect">
-                <a:avLst/>
-              </a:prstGeom>
-              <a:blipFill>
-                <a:blip r:embed="rId4"/>
-                <a:stretch>
-                  <a:fillRect t="-2662"/>
+                  <a:fillRect t="-1605" b="-1490"/>
                 </a:stretch>
               </a:blipFill>
               <a:ln>
@@ -8346,37 +7248,7 @@
       </mc:AlternateContent>
       <p:pic>
         <p:nvPicPr>
-          <p:cNvPr id="3" name="Picture 2"/>
-          <p:cNvPicPr>
-            <a:picLocks noChangeAspect="1"/>
-          </p:cNvPicPr>
-          <p:nvPr/>
-        </p:nvPicPr>
-        <p:blipFill>
-          <a:blip r:embed="rId5">
-            <a:extLst>
-              <a:ext uri="{28A0092B-C50C-407E-A947-70E740481C1C}">
-                <a14:useLocalDpi xmlns:a14="http://schemas.microsoft.com/office/drawing/2010/main" val="0"/>
-              </a:ext>
-            </a:extLst>
-          </a:blip>
-          <a:stretch>
-            <a:fillRect/>
-          </a:stretch>
-        </p:blipFill>
-        <p:spPr>
-          <a:xfrm>
-            <a:off x="13108484" y="21294649"/>
-            <a:ext cx="13567935" cy="10175951"/>
-          </a:xfrm>
-          <a:prstGeom prst="rect">
-            <a:avLst/>
-          </a:prstGeom>
-        </p:spPr>
-      </p:pic>
-      <p:pic>
-        <p:nvPicPr>
-          <p:cNvPr id="5" name="Picture 4"/>
+          <p:cNvPr id="6" name="Picture 5"/>
           <p:cNvPicPr>
             <a:picLocks noChangeAspect="1"/>
           </p:cNvPicPr>
@@ -8396,12 +7268,53 @@
         </p:blipFill>
         <p:spPr>
           <a:xfrm>
-            <a:off x="26444379" y="9566588"/>
-            <a:ext cx="13581189" cy="10185890"/>
+            <a:off x="13842867" y="12438439"/>
+            <a:ext cx="12122346" cy="9091760"/>
           </a:xfrm>
           <a:prstGeom prst="rect">
             <a:avLst/>
           </a:prstGeom>
+        </p:spPr>
+      </p:pic>
+      <p:pic>
+        <p:nvPicPr>
+          <p:cNvPr id="1028" name="Picture 4" descr="https://brandstandards.boisestate.edu/wp-content/uploads/2013/01/boisestate-stackedlogo-2color-RGB.jpg"/>
+          <p:cNvPicPr>
+            <a:picLocks noChangeAspect="1" noChangeArrowheads="1"/>
+          </p:cNvPicPr>
+          <p:nvPr/>
+        </p:nvPicPr>
+        <p:blipFill>
+          <a:blip r:embed="rId7">
+            <a:extLst>
+              <a:ext uri="{28A0092B-C50C-407E-A947-70E740481C1C}">
+                <a14:useLocalDpi xmlns:a14="http://schemas.microsoft.com/office/drawing/2010/main" val="0"/>
+              </a:ext>
+            </a:extLst>
+          </a:blip>
+          <a:srcRect/>
+          <a:stretch>
+            <a:fillRect/>
+          </a:stretch>
+        </p:blipFill>
+        <p:spPr bwMode="auto">
+          <a:xfrm>
+            <a:off x="1143000" y="533400"/>
+            <a:ext cx="4267200" cy="3297758"/>
+          </a:xfrm>
+          <a:prstGeom prst="rect">
+            <a:avLst/>
+          </a:prstGeom>
+          <a:noFill/>
+          <a:extLst>
+            <a:ext uri="{909E8E84-426E-40DD-AFC4-6F175D3DCCD1}">
+              <a14:hiddenFill xmlns:a14="http://schemas.microsoft.com/office/drawing/2010/main">
+                <a:solidFill>
+                  <a:srgbClr val="FFFFFF"/>
+                </a:solidFill>
+              </a14:hiddenFill>
+            </a:ext>
+          </a:extLst>
         </p:spPr>
       </p:pic>
     </p:spTree>
